--- a/HTML & CSS & Javascript - RWD.pptx
+++ b/HTML & CSS & Javascript - RWD.pptx
@@ -232,7 +232,7 @@
           <a:p>
             <a:fld id="{F8F9F50E-CBF4-4BC9-B9FE-221518E4EE47}" type="datetimeFigureOut">
               <a:rPr lang="zh-TW" altLang="en-US" smtClean="0"/>
-              <a:t>2021/5/15</a:t>
+              <a:t>2021/5/24</a:t>
             </a:fld>
             <a:endParaRPr lang="zh-TW" altLang="en-US"/>
           </a:p>
@@ -669,7 +669,7 @@
             <a:fld id="{87DE6118-2437-4B30-8E3C-4D2BE6020583}" type="datetimeFigureOut">
               <a:rPr lang="en-US" dirty="0"/>
               <a:pPr/>
-              <a:t>5/15/2021</a:t>
+              <a:t>5/24/2021</a:t>
             </a:fld>
             <a:endParaRPr lang="en-US" dirty="0"/>
           </a:p>
@@ -1145,7 +1145,7 @@
             <a:fld id="{87DE6118-2437-4B30-8E3C-4D2BE6020583}" type="datetimeFigureOut">
               <a:rPr lang="en-US" dirty="0"/>
               <a:pPr/>
-              <a:t>5/15/2021</a:t>
+              <a:t>5/24/2021</a:t>
             </a:fld>
             <a:endParaRPr lang="en-US" dirty="0"/>
           </a:p>
@@ -1380,7 +1380,7 @@
           <a:p>
             <a:fld id="{87DE6118-2437-4B30-8E3C-4D2BE6020583}" type="datetimeFigureOut">
               <a:rPr lang="en-US" dirty="0"/>
-              <a:t>5/15/2021</a:t>
+              <a:t>5/24/2021</a:t>
             </a:fld>
             <a:endParaRPr lang="en-US" dirty="0"/>
           </a:p>
@@ -1555,7 +1555,7 @@
           <a:p>
             <a:fld id="{87DE6118-2437-4B30-8E3C-4D2BE6020583}" type="datetimeFigureOut">
               <a:rPr lang="en-US" dirty="0"/>
-              <a:t>5/15/2021</a:t>
+              <a:t>5/24/2021</a:t>
             </a:fld>
             <a:endParaRPr lang="en-US" dirty="0"/>
           </a:p>
@@ -1769,7 +1769,7 @@
             <a:fld id="{87DE6118-2437-4B30-8E3C-4D2BE6020583}" type="datetimeFigureOut">
               <a:rPr lang="en-US" smtClean="0"/>
               <a:pPr/>
-              <a:t>5/15/2021</a:t>
+              <a:t>5/24/2021</a:t>
             </a:fld>
             <a:endParaRPr lang="en-US" dirty="0"/>
           </a:p>
@@ -2045,7 +2045,7 @@
             <a:fld id="{87DE6118-2437-4B30-8E3C-4D2BE6020583}" type="datetimeFigureOut">
               <a:rPr lang="en-US" smtClean="0"/>
               <a:pPr/>
-              <a:t>5/15/2021</a:t>
+              <a:t>5/24/2021</a:t>
             </a:fld>
             <a:endParaRPr lang="en-US" dirty="0"/>
           </a:p>
@@ -2336,7 +2336,7 @@
             <a:fld id="{87DE6118-2437-4B30-8E3C-4D2BE6020583}" type="datetimeFigureOut">
               <a:rPr lang="en-US" dirty="0"/>
               <a:pPr/>
-              <a:t>5/15/2021</a:t>
+              <a:t>5/24/2021</a:t>
             </a:fld>
             <a:endParaRPr lang="en-US" dirty="0"/>
           </a:p>
@@ -2726,7 +2726,7 @@
           <a:p>
             <a:fld id="{87DE6118-2437-4B30-8E3C-4D2BE6020583}" type="datetimeFigureOut">
               <a:rPr lang="en-US" dirty="0"/>
-              <a:t>5/15/2021</a:t>
+              <a:t>5/24/2021</a:t>
             </a:fld>
             <a:endParaRPr lang="en-US" dirty="0"/>
           </a:p>
@@ -3198,7 +3198,7 @@
           <a:p>
             <a:fld id="{87DE6118-2437-4B30-8E3C-4D2BE6020583}" type="datetimeFigureOut">
               <a:rPr lang="en-US" dirty="0"/>
-              <a:t>5/15/2021</a:t>
+              <a:t>5/24/2021</a:t>
             </a:fld>
             <a:endParaRPr lang="en-US" dirty="0"/>
           </a:p>
@@ -3311,7 +3311,7 @@
           <a:p>
             <a:fld id="{87DE6118-2437-4B30-8E3C-4D2BE6020583}" type="datetimeFigureOut">
               <a:rPr lang="en-US" dirty="0"/>
-              <a:t>5/15/2021</a:t>
+              <a:t>5/24/2021</a:t>
             </a:fld>
             <a:endParaRPr lang="en-US" dirty="0"/>
           </a:p>
@@ -3401,7 +3401,7 @@
           <a:p>
             <a:fld id="{87DE6118-2437-4B30-8E3C-4D2BE6020583}" type="datetimeFigureOut">
               <a:rPr lang="en-US" dirty="0"/>
-              <a:t>5/15/2021</a:t>
+              <a:t>5/24/2021</a:t>
             </a:fld>
             <a:endParaRPr lang="en-US" dirty="0"/>
           </a:p>
@@ -3743,7 +3743,7 @@
             <a:fld id="{87DE6118-2437-4B30-8E3C-4D2BE6020583}" type="datetimeFigureOut">
               <a:rPr lang="en-US" dirty="0"/>
               <a:pPr/>
-              <a:t>5/15/2021</a:t>
+              <a:t>5/24/2021</a:t>
             </a:fld>
             <a:endParaRPr lang="en-US" dirty="0"/>
           </a:p>
@@ -4018,7 +4018,7 @@
             <a:fld id="{87DE6118-2437-4B30-8E3C-4D2BE6020583}" type="datetimeFigureOut">
               <a:rPr lang="en-US" dirty="0"/>
               <a:pPr/>
-              <a:t>5/15/2021</a:t>
+              <a:t>5/24/2021</a:t>
             </a:fld>
             <a:endParaRPr lang="en-US" dirty="0"/>
           </a:p>

--- a/HTML & CSS & Javascript - RWD.pptx
+++ b/HTML & CSS & Javascript - RWD.pptx
@@ -232,7 +232,7 @@
           <a:p>
             <a:fld id="{F8F9F50E-CBF4-4BC9-B9FE-221518E4EE47}" type="datetimeFigureOut">
               <a:rPr lang="zh-TW" altLang="en-US" smtClean="0"/>
-              <a:t>2021/5/24</a:t>
+              <a:t>2021/5/25</a:t>
             </a:fld>
             <a:endParaRPr lang="zh-TW" altLang="en-US"/>
           </a:p>
@@ -669,7 +669,7 @@
             <a:fld id="{87DE6118-2437-4B30-8E3C-4D2BE6020583}" type="datetimeFigureOut">
               <a:rPr lang="en-US" dirty="0"/>
               <a:pPr/>
-              <a:t>5/24/2021</a:t>
+              <a:t>5/25/2021</a:t>
             </a:fld>
             <a:endParaRPr lang="en-US" dirty="0"/>
           </a:p>
@@ -1145,7 +1145,7 @@
             <a:fld id="{87DE6118-2437-4B30-8E3C-4D2BE6020583}" type="datetimeFigureOut">
               <a:rPr lang="en-US" dirty="0"/>
               <a:pPr/>
-              <a:t>5/24/2021</a:t>
+              <a:t>5/25/2021</a:t>
             </a:fld>
             <a:endParaRPr lang="en-US" dirty="0"/>
           </a:p>
@@ -1380,7 +1380,7 @@
           <a:p>
             <a:fld id="{87DE6118-2437-4B30-8E3C-4D2BE6020583}" type="datetimeFigureOut">
               <a:rPr lang="en-US" dirty="0"/>
-              <a:t>5/24/2021</a:t>
+              <a:t>5/25/2021</a:t>
             </a:fld>
             <a:endParaRPr lang="en-US" dirty="0"/>
           </a:p>
@@ -1555,7 +1555,7 @@
           <a:p>
             <a:fld id="{87DE6118-2437-4B30-8E3C-4D2BE6020583}" type="datetimeFigureOut">
               <a:rPr lang="en-US" dirty="0"/>
-              <a:t>5/24/2021</a:t>
+              <a:t>5/25/2021</a:t>
             </a:fld>
             <a:endParaRPr lang="en-US" dirty="0"/>
           </a:p>
@@ -1769,7 +1769,7 @@
             <a:fld id="{87DE6118-2437-4B30-8E3C-4D2BE6020583}" type="datetimeFigureOut">
               <a:rPr lang="en-US" smtClean="0"/>
               <a:pPr/>
-              <a:t>5/24/2021</a:t>
+              <a:t>5/25/2021</a:t>
             </a:fld>
             <a:endParaRPr lang="en-US" dirty="0"/>
           </a:p>
@@ -2045,7 +2045,7 @@
             <a:fld id="{87DE6118-2437-4B30-8E3C-4D2BE6020583}" type="datetimeFigureOut">
               <a:rPr lang="en-US" smtClean="0"/>
               <a:pPr/>
-              <a:t>5/24/2021</a:t>
+              <a:t>5/25/2021</a:t>
             </a:fld>
             <a:endParaRPr lang="en-US" dirty="0"/>
           </a:p>
@@ -2336,7 +2336,7 @@
             <a:fld id="{87DE6118-2437-4B30-8E3C-4D2BE6020583}" type="datetimeFigureOut">
               <a:rPr lang="en-US" dirty="0"/>
               <a:pPr/>
-              <a:t>5/24/2021</a:t>
+              <a:t>5/25/2021</a:t>
             </a:fld>
             <a:endParaRPr lang="en-US" dirty="0"/>
           </a:p>
@@ -2726,7 +2726,7 @@
           <a:p>
             <a:fld id="{87DE6118-2437-4B30-8E3C-4D2BE6020583}" type="datetimeFigureOut">
               <a:rPr lang="en-US" dirty="0"/>
-              <a:t>5/24/2021</a:t>
+              <a:t>5/25/2021</a:t>
             </a:fld>
             <a:endParaRPr lang="en-US" dirty="0"/>
           </a:p>
@@ -3198,7 +3198,7 @@
           <a:p>
             <a:fld id="{87DE6118-2437-4B30-8E3C-4D2BE6020583}" type="datetimeFigureOut">
               <a:rPr lang="en-US" dirty="0"/>
-              <a:t>5/24/2021</a:t>
+              <a:t>5/25/2021</a:t>
             </a:fld>
             <a:endParaRPr lang="en-US" dirty="0"/>
           </a:p>
@@ -3311,7 +3311,7 @@
           <a:p>
             <a:fld id="{87DE6118-2437-4B30-8E3C-4D2BE6020583}" type="datetimeFigureOut">
               <a:rPr lang="en-US" dirty="0"/>
-              <a:t>5/24/2021</a:t>
+              <a:t>5/25/2021</a:t>
             </a:fld>
             <a:endParaRPr lang="en-US" dirty="0"/>
           </a:p>
@@ -3401,7 +3401,7 @@
           <a:p>
             <a:fld id="{87DE6118-2437-4B30-8E3C-4D2BE6020583}" type="datetimeFigureOut">
               <a:rPr lang="en-US" dirty="0"/>
-              <a:t>5/24/2021</a:t>
+              <a:t>5/25/2021</a:t>
             </a:fld>
             <a:endParaRPr lang="en-US" dirty="0"/>
           </a:p>
@@ -3743,7 +3743,7 @@
             <a:fld id="{87DE6118-2437-4B30-8E3C-4D2BE6020583}" type="datetimeFigureOut">
               <a:rPr lang="en-US" dirty="0"/>
               <a:pPr/>
-              <a:t>5/24/2021</a:t>
+              <a:t>5/25/2021</a:t>
             </a:fld>
             <a:endParaRPr lang="en-US" dirty="0"/>
           </a:p>
@@ -4018,7 +4018,7 @@
             <a:fld id="{87DE6118-2437-4B30-8E3C-4D2BE6020583}" type="datetimeFigureOut">
               <a:rPr lang="en-US" dirty="0"/>
               <a:pPr/>
-              <a:t>5/24/2021</a:t>
+              <a:t>5/25/2021</a:t>
             </a:fld>
             <a:endParaRPr lang="en-US" dirty="0"/>
           </a:p>
@@ -4629,18 +4629,7 @@
             </a:r>
             <a:r>
               <a:rPr lang="zh-TW" altLang="en-US" dirty="0"/>
-              <a:t>、圖片大小、</a:t>
-            </a:r>
-            <a:br>
-              <a:rPr lang="en-US" altLang="zh-TW" dirty="0"/>
-            </a:br>
-            <a:r>
-              <a:rPr lang="en-US" altLang="zh-TW" dirty="0"/>
-              <a:t>nav</a:t>
-            </a:r>
-            <a:r>
-              <a:rPr lang="zh-TW" altLang="en-US" dirty="0"/>
-              <a:t>內容取消</a:t>
+              <a:t>、圖片大小</a:t>
             </a:r>
           </a:p>
         </p:txBody>
@@ -5201,7 +5190,7 @@
         <p:spPr>
           <a:xfrm>
             <a:off x="4251960" y="2498636"/>
-            <a:ext cx="3018852" cy="1323439"/>
+            <a:ext cx="3018852" cy="707886"/>
           </a:xfrm>
           <a:prstGeom prst="rect">
             <a:avLst/>
@@ -5236,157 +5225,6 @@
               </a:rPr>
               <a:t>  </a:t>
             </a:r>
-            <a:r>
-              <a:rPr lang="en-US" altLang="zh-TW" sz="2000" b="0" dirty="0">
-                <a:solidFill>
-                  <a:srgbClr val="FFCB6B"/>
-                </a:solidFill>
-                <a:effectLst/>
-                <a:latin typeface="Consolas" panose="020B0609020204030204" pitchFamily="49" charset="0"/>
-              </a:rPr>
-              <a:t>header</a:t>
-            </a:r>
-            <a:r>
-              <a:rPr lang="en-US" altLang="zh-TW" sz="2000" b="0" dirty="0">
-                <a:solidFill>
-                  <a:srgbClr val="EEFFFF"/>
-                </a:solidFill>
-                <a:effectLst/>
-                <a:latin typeface="Consolas" panose="020B0609020204030204" pitchFamily="49" charset="0"/>
-              </a:rPr>
-              <a:t> </a:t>
-            </a:r>
-            <a:r>
-              <a:rPr lang="en-US" altLang="zh-TW" sz="2000" b="0" dirty="0">
-                <a:solidFill>
-                  <a:srgbClr val="FFCB6B"/>
-                </a:solidFill>
-                <a:effectLst/>
-                <a:latin typeface="Consolas" panose="020B0609020204030204" pitchFamily="49" charset="0"/>
-              </a:rPr>
-              <a:t>ul</a:t>
-            </a:r>
-            <a:r>
-              <a:rPr lang="en-US" altLang="zh-TW" sz="2000" b="0" dirty="0">
-                <a:solidFill>
-                  <a:srgbClr val="EEFFFF"/>
-                </a:solidFill>
-                <a:effectLst/>
-                <a:latin typeface="Consolas" panose="020B0609020204030204" pitchFamily="49" charset="0"/>
-              </a:rPr>
-              <a:t>  </a:t>
-            </a:r>
-            <a:r>
-              <a:rPr lang="en-US" altLang="zh-TW" sz="2000" b="0" dirty="0">
-                <a:solidFill>
-                  <a:srgbClr val="89DDFF"/>
-                </a:solidFill>
-                <a:effectLst/>
-                <a:latin typeface="Consolas" panose="020B0609020204030204" pitchFamily="49" charset="0"/>
-              </a:rPr>
-              <a:t>{</a:t>
-            </a:r>
-            <a:endParaRPr lang="en-US" altLang="zh-TW" sz="2000" b="0" dirty="0">
-              <a:solidFill>
-                <a:srgbClr val="EEFFFF"/>
-              </a:solidFill>
-              <a:effectLst/>
-              <a:latin typeface="Consolas" panose="020B0609020204030204" pitchFamily="49" charset="0"/>
-            </a:endParaRPr>
-          </a:p>
-          <a:p>
-            <a:pPr marL="0" indent="0">
-              <a:buNone/>
-            </a:pPr>
-            <a:r>
-              <a:rPr lang="en-US" altLang="zh-TW" sz="2000" b="0" dirty="0">
-                <a:solidFill>
-                  <a:srgbClr val="EEFFFF"/>
-                </a:solidFill>
-                <a:effectLst/>
-                <a:latin typeface="Consolas" panose="020B0609020204030204" pitchFamily="49" charset="0"/>
-              </a:rPr>
-              <a:t>    </a:t>
-            </a:r>
-            <a:r>
-              <a:rPr lang="en-US" altLang="zh-TW" sz="2000" b="0" dirty="0">
-                <a:solidFill>
-                  <a:srgbClr val="B2CCD6"/>
-                </a:solidFill>
-                <a:effectLst/>
-                <a:latin typeface="Consolas" panose="020B0609020204030204" pitchFamily="49" charset="0"/>
-              </a:rPr>
-              <a:t>display</a:t>
-            </a:r>
-            <a:r>
-              <a:rPr lang="en-US" altLang="zh-TW" sz="2000" b="0" dirty="0">
-                <a:solidFill>
-                  <a:srgbClr val="89DDFF"/>
-                </a:solidFill>
-                <a:effectLst/>
-                <a:latin typeface="Consolas" panose="020B0609020204030204" pitchFamily="49" charset="0"/>
-              </a:rPr>
-              <a:t>:</a:t>
-            </a:r>
-            <a:r>
-              <a:rPr lang="en-US" altLang="zh-TW" sz="2000" b="0" dirty="0">
-                <a:solidFill>
-                  <a:srgbClr val="EEFFFF"/>
-                </a:solidFill>
-                <a:effectLst/>
-                <a:latin typeface="Consolas" panose="020B0609020204030204" pitchFamily="49" charset="0"/>
-              </a:rPr>
-              <a:t> none</a:t>
-            </a:r>
-            <a:r>
-              <a:rPr lang="en-US" altLang="zh-TW" sz="2000" b="0" dirty="0">
-                <a:solidFill>
-                  <a:srgbClr val="89DDFF"/>
-                </a:solidFill>
-                <a:effectLst/>
-                <a:latin typeface="Consolas" panose="020B0609020204030204" pitchFamily="49" charset="0"/>
-              </a:rPr>
-              <a:t>;</a:t>
-            </a:r>
-            <a:endParaRPr lang="en-US" altLang="zh-TW" sz="2000" b="0" dirty="0">
-              <a:solidFill>
-                <a:srgbClr val="EEFFFF"/>
-              </a:solidFill>
-              <a:effectLst/>
-              <a:latin typeface="Consolas" panose="020B0609020204030204" pitchFamily="49" charset="0"/>
-            </a:endParaRPr>
-          </a:p>
-          <a:p>
-            <a:pPr marL="0" indent="0">
-              <a:buNone/>
-            </a:pPr>
-            <a:r>
-              <a:rPr lang="en-US" altLang="zh-TW" sz="2000" b="0" dirty="0">
-                <a:solidFill>
-                  <a:srgbClr val="EEFFFF"/>
-                </a:solidFill>
-                <a:effectLst/>
-                <a:latin typeface="Consolas" panose="020B0609020204030204" pitchFamily="49" charset="0"/>
-              </a:rPr>
-              <a:t>  </a:t>
-            </a:r>
-            <a:r>
-              <a:rPr lang="en-US" altLang="zh-TW" sz="2000" b="0" dirty="0">
-                <a:solidFill>
-                  <a:srgbClr val="89DDFF"/>
-                </a:solidFill>
-                <a:effectLst/>
-                <a:latin typeface="Consolas" panose="020B0609020204030204" pitchFamily="49" charset="0"/>
-              </a:rPr>
-              <a:t>}</a:t>
-            </a:r>
-            <a:endParaRPr lang="en-US" altLang="zh-TW" sz="2000" b="0" dirty="0">
-              <a:solidFill>
-                <a:srgbClr val="EEFFFF"/>
-              </a:solidFill>
-              <a:effectLst/>
-              <a:latin typeface="Consolas" panose="020B0609020204030204" pitchFamily="49" charset="0"/>
-            </a:endParaRPr>
           </a:p>
         </p:txBody>
       </p:sp>
@@ -9535,8 +9373,8 @@
         </p:nvSpPr>
         <p:spPr>
           <a:xfrm>
-            <a:off x="1091954" y="2610035"/>
-            <a:ext cx="5326602" cy="3139321"/>
+            <a:off x="1091953" y="2610035"/>
+            <a:ext cx="5495277" cy="3139321"/>
           </a:xfrm>
           <a:prstGeom prst="rect">
             <a:avLst/>
@@ -9912,7 +9750,7 @@
                 <a:effectLst/>
                 <a:latin typeface="Consolas" panose="020B0609020204030204" pitchFamily="49" charset="0"/>
               </a:rPr>
-              <a:t>(</a:t>
+              <a:t>('</a:t>
             </a:r>
             <a:r>
               <a:rPr lang="en-US" altLang="zh-TW" b="0" dirty="0">
@@ -9932,7 +9770,7 @@
                 <a:effectLst/>
                 <a:latin typeface="Consolas" panose="020B0609020204030204" pitchFamily="49" charset="0"/>
               </a:rPr>
-              <a:t>);</a:t>
+              <a:t>');</a:t>
             </a:r>
             <a:endParaRPr lang="en-US" altLang="zh-TW" b="0" dirty="0">
               <a:solidFill>
@@ -11064,10 +10902,10 @@
                 <a:latin typeface="微軟正黑體" panose="020B0604030504040204" pitchFamily="34" charset="-120"/>
                 <a:ea typeface="微軟正黑體" panose="020B0604030504040204" pitchFamily="34" charset="-120"/>
               </a:rPr>
-              <a:t>當</a:t>
-            </a:r>
-            <a:r>
-              <a:rPr lang="en-US" altLang="zh-TW" b="0" i="0" dirty="0" err="1">
+              <a:t>當元素上沒有這個</a:t>
+            </a:r>
+            <a:r>
+              <a:rPr lang="en-US" altLang="zh-TW" b="0" i="0" dirty="0">
                 <a:solidFill>
                   <a:srgbClr val="191919"/>
                 </a:solidFill>
@@ -11075,7 +10913,7 @@
                 <a:latin typeface="微軟正黑體" panose="020B0604030504040204" pitchFamily="34" charset="-120"/>
                 <a:ea typeface="微軟正黑體" panose="020B0604030504040204" pitchFamily="34" charset="-120"/>
               </a:rPr>
-              <a:t>myDiv</a:t>
+              <a:t>CSS</a:t>
             </a:r>
             <a:r>
               <a:rPr lang="zh-TW" altLang="en-US" b="0" i="0" dirty="0">
@@ -11086,7 +10924,7 @@
                 <a:latin typeface="微軟正黑體" panose="020B0604030504040204" pitchFamily="34" charset="-120"/>
                 <a:ea typeface="微軟正黑體" panose="020B0604030504040204" pitchFamily="34" charset="-120"/>
               </a:rPr>
-              <a:t>元素上沒有這個</a:t>
+              <a:t>類時，它就新增這個</a:t>
             </a:r>
             <a:r>
               <a:rPr lang="en-US" altLang="zh-TW" b="0" i="0" dirty="0">
@@ -11108,51 +10946,7 @@
                 <a:latin typeface="微軟正黑體" panose="020B0604030504040204" pitchFamily="34" charset="-120"/>
                 <a:ea typeface="微軟正黑體" panose="020B0604030504040204" pitchFamily="34" charset="-120"/>
               </a:rPr>
-              <a:t>類時，它就新增這個</a:t>
-            </a:r>
-            <a:r>
-              <a:rPr lang="en-US" altLang="zh-TW" b="0" i="0" dirty="0">
-                <a:solidFill>
-                  <a:srgbClr val="191919"/>
-                </a:solidFill>
-                <a:effectLst/>
-                <a:latin typeface="微軟正黑體" panose="020B0604030504040204" pitchFamily="34" charset="-120"/>
-                <a:ea typeface="微軟正黑體" panose="020B0604030504040204" pitchFamily="34" charset="-120"/>
-              </a:rPr>
-              <a:t>CSS</a:t>
-            </a:r>
-            <a:r>
-              <a:rPr lang="zh-TW" altLang="en-US" b="0" i="0" dirty="0">
-                <a:solidFill>
-                  <a:srgbClr val="191919"/>
-                </a:solidFill>
-                <a:effectLst/>
-                <a:latin typeface="微軟正黑體" panose="020B0604030504040204" pitchFamily="34" charset="-120"/>
-                <a:ea typeface="微軟正黑體" panose="020B0604030504040204" pitchFamily="34" charset="-120"/>
-              </a:rPr>
-              <a:t>類；如果</a:t>
-            </a:r>
-            <a:r>
-              <a:rPr lang="en-US" altLang="zh-TW" b="0" i="0" dirty="0" err="1">
-                <a:solidFill>
-                  <a:srgbClr val="191919"/>
-                </a:solidFill>
-                <a:effectLst/>
-                <a:latin typeface="微軟正黑體" panose="020B0604030504040204" pitchFamily="34" charset="-120"/>
-                <a:ea typeface="微軟正黑體" panose="020B0604030504040204" pitchFamily="34" charset="-120"/>
-              </a:rPr>
-              <a:t>myDiv</a:t>
-            </a:r>
-            <a:r>
-              <a:rPr lang="zh-TW" altLang="en-US" b="0" i="0" dirty="0">
-                <a:solidFill>
-                  <a:srgbClr val="191919"/>
-                </a:solidFill>
-                <a:effectLst/>
-                <a:latin typeface="微軟正黑體" panose="020B0604030504040204" pitchFamily="34" charset="-120"/>
-                <a:ea typeface="微軟正黑體" panose="020B0604030504040204" pitchFamily="34" charset="-120"/>
-              </a:rPr>
-              <a:t>元素已經有了這個</a:t>
+              <a:t>類；如果元素已經有了這個</a:t>
             </a:r>
             <a:r>
               <a:rPr lang="en-US" altLang="zh-TW" b="0" i="0" dirty="0">
@@ -11261,7 +11055,9 @@
         </p:nvSpPr>
         <p:spPr/>
         <p:txBody>
-          <a:bodyPr/>
+          <a:bodyPr>
+            <a:normAutofit fontScale="90000"/>
+          </a:bodyPr>
           <a:lstStyle/>
           <a:p>
             <a:r>
@@ -11294,7 +11090,23 @@
                   <a:schemeClr val="bg1"/>
                 </a:solidFill>
               </a:rPr>
-              <a:t>class</a:t>
+              <a:t>class(</a:t>
+            </a:r>
+            <a:r>
+              <a:rPr lang="zh-TW" altLang="en-US" dirty="0">
+                <a:solidFill>
+                  <a:schemeClr val="bg1"/>
+                </a:solidFill>
+              </a:rPr>
+              <a:t>給</a:t>
+            </a:r>
+            <a:r>
+              <a:rPr lang="en-US" altLang="zh-TW" dirty="0">
+                <a:solidFill>
+                  <a:schemeClr val="bg1"/>
+                </a:solidFill>
+              </a:rPr>
+              <a:t>X)</a:t>
             </a:r>
             <a:endParaRPr lang="zh-TW" altLang="en-US" dirty="0">
               <a:solidFill>
@@ -12659,6 +12471,92 @@
           </a:p>
         </p:txBody>
       </p:sp>
+      <p:pic>
+        <p:nvPicPr>
+          <p:cNvPr id="13" name="圖片 12">
+            <a:extLst>
+              <a:ext uri="{FF2B5EF4-FFF2-40B4-BE49-F238E27FC236}">
+                <a16:creationId xmlns:a16="http://schemas.microsoft.com/office/drawing/2014/main" id="{7F13BF04-4B71-4BB0-A875-C751D691F600}"/>
+              </a:ext>
+            </a:extLst>
+          </p:cNvPr>
+          <p:cNvPicPr>
+            <a:picLocks noChangeAspect="1"/>
+          </p:cNvPicPr>
+          <p:nvPr/>
+        </p:nvPicPr>
+        <p:blipFill>
+          <a:blip r:embed="rId2"/>
+          <a:stretch>
+            <a:fillRect/>
+          </a:stretch>
+        </p:blipFill>
+        <p:spPr>
+          <a:xfrm>
+            <a:off x="8287737" y="3873619"/>
+            <a:ext cx="3696685" cy="2138186"/>
+          </a:xfrm>
+          <a:prstGeom prst="rect">
+            <a:avLst/>
+          </a:prstGeom>
+        </p:spPr>
+      </p:pic>
+      <p:sp>
+        <p:nvSpPr>
+          <p:cNvPr id="14" name="矩形 13">
+            <a:extLst>
+              <a:ext uri="{FF2B5EF4-FFF2-40B4-BE49-F238E27FC236}">
+                <a16:creationId xmlns:a16="http://schemas.microsoft.com/office/drawing/2014/main" id="{43807BF4-2B59-4C54-AC9D-0EFBDB3F9E30}"/>
+              </a:ext>
+            </a:extLst>
+          </p:cNvPr>
+          <p:cNvSpPr/>
+          <p:nvPr/>
+        </p:nvSpPr>
+        <p:spPr>
+          <a:xfrm>
+            <a:off x="10640318" y="5471853"/>
+            <a:ext cx="1297871" cy="292747"/>
+          </a:xfrm>
+          <a:prstGeom prst="rect">
+            <a:avLst/>
+          </a:prstGeom>
+          <a:noFill/>
+          <a:ln w="28575" cap="flat" cmpd="sng" algn="ctr">
+            <a:solidFill>
+              <a:schemeClr val="accent6">
+                <a:lumMod val="75000"/>
+              </a:schemeClr>
+            </a:solidFill>
+            <a:prstDash val="solid"/>
+            <a:round/>
+            <a:headEnd type="none" w="med" len="med"/>
+            <a:tailEnd type="none" w="med" len="med"/>
+          </a:ln>
+        </p:spPr>
+        <p:style>
+          <a:lnRef idx="0">
+            <a:scrgbClr r="0" g="0" b="0"/>
+          </a:lnRef>
+          <a:fillRef idx="0">
+            <a:scrgbClr r="0" g="0" b="0"/>
+          </a:fillRef>
+          <a:effectRef idx="0">
+            <a:scrgbClr r="0" g="0" b="0"/>
+          </a:effectRef>
+          <a:fontRef idx="minor">
+            <a:schemeClr val="accent2"/>
+          </a:fontRef>
+        </p:style>
+        <p:txBody>
+          <a:bodyPr rtlCol="0" anchor="ctr"/>
+          <a:lstStyle/>
+          <a:p>
+            <a:pPr algn="ctr"/>
+            <a:endParaRPr lang="zh-TW" altLang="en-US"/>
+          </a:p>
+        </p:txBody>
+      </p:sp>
     </p:spTree>
     <p:extLst>
       <p:ext uri="{BB962C8B-B14F-4D97-AF65-F5344CB8AC3E}">
@@ -12886,7 +12784,7 @@
                 <a:effectLst/>
                 <a:latin typeface="Consolas" panose="020B0609020204030204" pitchFamily="49" charset="0"/>
               </a:rPr>
-              <a:t>(</a:t>
+              <a:t>('</a:t>
             </a:r>
             <a:r>
               <a:rPr lang="en-US" altLang="zh-TW" b="0" dirty="0">
@@ -12906,7 +12804,7 @@
                 <a:effectLst/>
                 <a:latin typeface="Consolas" panose="020B0609020204030204" pitchFamily="49" charset="0"/>
               </a:rPr>
-              <a:t>);</a:t>
+              <a:t>');</a:t>
             </a:r>
             <a:endParaRPr lang="en-US" altLang="zh-TW" b="0" dirty="0">
               <a:solidFill>
@@ -13042,18 +12940,6 @@
               </a:rPr>
               <a:t>;</a:t>
             </a:r>
-            <a:endParaRPr lang="en-US" altLang="zh-TW" b="0" dirty="0">
-              <a:solidFill>
-                <a:srgbClr val="EEFFFF"/>
-              </a:solidFill>
-              <a:effectLst/>
-              <a:latin typeface="Consolas" panose="020B0609020204030204" pitchFamily="49" charset="0"/>
-            </a:endParaRPr>
-          </a:p>
-          <a:p>
-            <a:pPr marL="0" indent="0">
-              <a:buNone/>
-            </a:pPr>
             <a:r>
               <a:rPr lang="en-US" altLang="zh-TW" b="0" dirty="0">
                 <a:solidFill>
@@ -13062,247 +12948,8 @@
                 <a:effectLst/>
                 <a:latin typeface="Consolas" panose="020B0609020204030204" pitchFamily="49" charset="0"/>
               </a:rPr>
-              <a:t>    </a:t>
-            </a:r>
-            <a:r>
-              <a:rPr lang="en-US" altLang="zh-TW" b="0" dirty="0">
-                <a:solidFill>
-                  <a:srgbClr val="B2CCD6"/>
-                </a:solidFill>
-                <a:effectLst/>
-                <a:latin typeface="Consolas" panose="020B0609020204030204" pitchFamily="49" charset="0"/>
-              </a:rPr>
-              <a:t>background-repeat</a:t>
-            </a:r>
-            <a:r>
-              <a:rPr lang="en-US" altLang="zh-TW" b="0" dirty="0">
-                <a:solidFill>
-                  <a:srgbClr val="89DDFF"/>
-                </a:solidFill>
-                <a:effectLst/>
-                <a:latin typeface="Consolas" panose="020B0609020204030204" pitchFamily="49" charset="0"/>
-              </a:rPr>
-              <a:t>:</a:t>
-            </a:r>
-            <a:r>
-              <a:rPr lang="en-US" altLang="zh-TW" b="0" dirty="0">
-                <a:solidFill>
-                  <a:srgbClr val="EEFFFF"/>
-                </a:solidFill>
-                <a:effectLst/>
-                <a:latin typeface="Consolas" panose="020B0609020204030204" pitchFamily="49" charset="0"/>
-              </a:rPr>
-              <a:t> no-repeat</a:t>
-            </a:r>
-            <a:r>
-              <a:rPr lang="en-US" altLang="zh-TW" b="0" dirty="0">
-                <a:solidFill>
-                  <a:srgbClr val="89DDFF"/>
-                </a:solidFill>
-                <a:effectLst/>
-                <a:latin typeface="Consolas" panose="020B0609020204030204" pitchFamily="49" charset="0"/>
-              </a:rPr>
-              <a:t>;</a:t>
-            </a:r>
-          </a:p>
-          <a:p>
-            <a:pPr marL="0" indent="0">
-              <a:buNone/>
-            </a:pPr>
-            <a:r>
-              <a:rPr lang="en-US" altLang="zh-TW" b="0" dirty="0">
-                <a:solidFill>
-                  <a:srgbClr val="EEFFFF"/>
-                </a:solidFill>
-                <a:effectLst/>
-                <a:latin typeface="Consolas" panose="020B0609020204030204" pitchFamily="49" charset="0"/>
-              </a:rPr>
-              <a:t>    </a:t>
-            </a:r>
-            <a:r>
-              <a:rPr lang="en-US" altLang="zh-TW" b="0" dirty="0">
-                <a:solidFill>
-                  <a:srgbClr val="B2CCD6"/>
-                </a:solidFill>
-                <a:effectLst/>
-                <a:latin typeface="Consolas" panose="020B0609020204030204" pitchFamily="49" charset="0"/>
-              </a:rPr>
-              <a:t>right</a:t>
-            </a:r>
-            <a:r>
-              <a:rPr lang="en-US" altLang="zh-TW" b="0" dirty="0">
-                <a:solidFill>
-                  <a:srgbClr val="89DDFF"/>
-                </a:solidFill>
-                <a:effectLst/>
-                <a:latin typeface="Consolas" panose="020B0609020204030204" pitchFamily="49" charset="0"/>
-              </a:rPr>
-              <a:t>:</a:t>
-            </a:r>
-            <a:r>
-              <a:rPr lang="en-US" altLang="zh-TW" b="0" dirty="0">
-                <a:solidFill>
-                  <a:srgbClr val="EEFFFF"/>
-                </a:solidFill>
-                <a:effectLst/>
-                <a:latin typeface="Consolas" panose="020B0609020204030204" pitchFamily="49" charset="0"/>
-              </a:rPr>
-              <a:t> </a:t>
-            </a:r>
-            <a:r>
-              <a:rPr lang="en-US" altLang="zh-TW" b="0" dirty="0">
-                <a:solidFill>
-                  <a:srgbClr val="F78C6C"/>
-                </a:solidFill>
-                <a:effectLst/>
-                <a:latin typeface="Consolas" panose="020B0609020204030204" pitchFamily="49" charset="0"/>
-              </a:rPr>
-              <a:t>20px</a:t>
-            </a:r>
-            <a:r>
-              <a:rPr lang="en-US" altLang="zh-TW" b="0" dirty="0">
-                <a:solidFill>
-                  <a:srgbClr val="89DDFF"/>
-                </a:solidFill>
-                <a:effectLst/>
-                <a:latin typeface="Consolas" panose="020B0609020204030204" pitchFamily="49" charset="0"/>
-              </a:rPr>
-              <a:t>;</a:t>
-            </a:r>
-          </a:p>
-          <a:p>
-            <a:pPr marL="0" indent="0">
-              <a:buNone/>
-            </a:pPr>
-            <a:r>
-              <a:rPr lang="en-US" altLang="zh-TW" b="0" dirty="0">
-                <a:solidFill>
-                  <a:srgbClr val="EEFFFF"/>
-                </a:solidFill>
-                <a:effectLst/>
-                <a:latin typeface="Consolas" panose="020B0609020204030204" pitchFamily="49" charset="0"/>
-              </a:rPr>
-              <a:t>    </a:t>
-            </a:r>
-            <a:r>
-              <a:rPr lang="en-US" altLang="zh-TW" b="0" i="1" dirty="0">
-                <a:solidFill>
-                  <a:srgbClr val="4A4A4A"/>
-                </a:solidFill>
-                <a:effectLst/>
-                <a:latin typeface="Consolas" panose="020B0609020204030204" pitchFamily="49" charset="0"/>
-              </a:rPr>
-              <a:t>/*</a:t>
-            </a:r>
-            <a:r>
-              <a:rPr lang="zh-TW" altLang="en-US" b="0" i="1" dirty="0">
-                <a:solidFill>
-                  <a:srgbClr val="4A4A4A"/>
-                </a:solidFill>
-                <a:effectLst/>
-                <a:latin typeface="Consolas" panose="020B0609020204030204" pitchFamily="49" charset="0"/>
-              </a:rPr>
-              <a:t>卷軸滾動時</a:t>
-            </a:r>
-            <a:r>
-              <a:rPr lang="en-US" altLang="zh-TW" b="0" i="1" dirty="0">
-                <a:solidFill>
-                  <a:srgbClr val="4A4A4A"/>
-                </a:solidFill>
-                <a:effectLst/>
-                <a:latin typeface="Consolas" panose="020B0609020204030204" pitchFamily="49" charset="0"/>
-              </a:rPr>
-              <a:t>X</a:t>
-            </a:r>
-            <a:r>
-              <a:rPr lang="zh-TW" altLang="en-US" b="0" i="1" dirty="0">
-                <a:solidFill>
-                  <a:srgbClr val="4A4A4A"/>
-                </a:solidFill>
-                <a:effectLst/>
-                <a:latin typeface="Consolas" panose="020B0609020204030204" pitchFamily="49" charset="0"/>
-              </a:rPr>
-              <a:t>會不見，所以要調整為</a:t>
-            </a:r>
-            <a:r>
-              <a:rPr lang="en-US" altLang="zh-TW" b="0" i="1" dirty="0">
-                <a:solidFill>
-                  <a:srgbClr val="4A4A4A"/>
-                </a:solidFill>
-                <a:effectLst/>
-                <a:latin typeface="Consolas" panose="020B0609020204030204" pitchFamily="49" charset="0"/>
-              </a:rPr>
-              <a:t>fixed*/</a:t>
-            </a:r>
-            <a:endParaRPr lang="en-US" altLang="zh-TW" b="0" dirty="0">
-              <a:solidFill>
-                <a:srgbClr val="EEFFFF"/>
-              </a:solidFill>
-              <a:effectLst/>
-              <a:latin typeface="Consolas" panose="020B0609020204030204" pitchFamily="49" charset="0"/>
-            </a:endParaRPr>
-          </a:p>
-          <a:p>
-            <a:pPr marL="0" indent="0">
-              <a:buNone/>
-            </a:pPr>
-            <a:r>
-              <a:rPr lang="en-US" altLang="zh-TW" b="0" dirty="0">
-                <a:solidFill>
-                  <a:srgbClr val="EEFFFF"/>
-                </a:solidFill>
-                <a:effectLst/>
-                <a:latin typeface="Consolas" panose="020B0609020204030204" pitchFamily="49" charset="0"/>
-              </a:rPr>
-              <a:t>    </a:t>
-            </a:r>
-            <a:r>
-              <a:rPr lang="en-US" altLang="zh-TW" b="0" dirty="0">
-                <a:solidFill>
-                  <a:srgbClr val="B2CCD6"/>
-                </a:solidFill>
-                <a:effectLst/>
-                <a:latin typeface="Consolas" panose="020B0609020204030204" pitchFamily="49" charset="0"/>
-              </a:rPr>
-              <a:t>position</a:t>
-            </a:r>
-            <a:r>
-              <a:rPr lang="en-US" altLang="zh-TW" b="0" dirty="0">
-                <a:solidFill>
-                  <a:srgbClr val="89DDFF"/>
-                </a:solidFill>
-                <a:effectLst/>
-                <a:latin typeface="Consolas" panose="020B0609020204030204" pitchFamily="49" charset="0"/>
-              </a:rPr>
-              <a:t>:</a:t>
-            </a:r>
-            <a:r>
-              <a:rPr lang="en-US" altLang="zh-TW" b="0" dirty="0">
-                <a:solidFill>
-                  <a:srgbClr val="EEFFFF"/>
-                </a:solidFill>
-                <a:effectLst/>
-                <a:latin typeface="Consolas" panose="020B0609020204030204" pitchFamily="49" charset="0"/>
-              </a:rPr>
-              <a:t> fixed</a:t>
-            </a:r>
-            <a:r>
-              <a:rPr lang="en-US" altLang="zh-TW" b="0" dirty="0">
-                <a:solidFill>
-                  <a:srgbClr val="89DDFF"/>
-                </a:solidFill>
-                <a:effectLst/>
-                <a:latin typeface="Consolas" panose="020B0609020204030204" pitchFamily="49" charset="0"/>
-              </a:rPr>
-              <a:t>;</a:t>
-            </a:r>
-            <a:endParaRPr lang="en-US" altLang="zh-TW" b="0" dirty="0">
-              <a:solidFill>
-                <a:srgbClr val="EEFFFF"/>
-              </a:solidFill>
-              <a:effectLst/>
-              <a:latin typeface="Consolas" panose="020B0609020204030204" pitchFamily="49" charset="0"/>
-            </a:endParaRPr>
+              <a:t> </a:t>
+            </a:r>
           </a:p>
           <a:p>
             <a:pPr marL="0" indent="0">
@@ -14443,6 +14090,423 @@
           </a:prstGeom>
         </p:spPr>
       </p:pic>
+      <p:sp>
+        <p:nvSpPr>
+          <p:cNvPr id="8" name="文字方塊 7">
+            <a:extLst>
+              <a:ext uri="{FF2B5EF4-FFF2-40B4-BE49-F238E27FC236}">
+                <a16:creationId xmlns:a16="http://schemas.microsoft.com/office/drawing/2014/main" id="{234C7128-7A15-4C38-AA3B-AAE0DE86470F}"/>
+              </a:ext>
+            </a:extLst>
+          </p:cNvPr>
+          <p:cNvSpPr txBox="1"/>
+          <p:nvPr/>
+        </p:nvSpPr>
+        <p:spPr>
+          <a:xfrm>
+            <a:off x="1435964" y="4884050"/>
+            <a:ext cx="3807897" cy="923330"/>
+          </a:xfrm>
+          <a:prstGeom prst="rect">
+            <a:avLst/>
+          </a:prstGeom>
+          <a:noFill/>
+        </p:spPr>
+        <p:txBody>
+          <a:bodyPr wrap="square">
+            <a:spAutoFit/>
+          </a:bodyPr>
+          <a:lstStyle/>
+          <a:p>
+            <a:r>
+              <a:rPr lang="en-US" altLang="zh-TW" b="0" dirty="0">
+                <a:solidFill>
+                  <a:srgbClr val="EEFFFF"/>
+                </a:solidFill>
+                <a:effectLst/>
+                <a:latin typeface="Consolas" panose="020B0609020204030204" pitchFamily="49" charset="0"/>
+              </a:rPr>
+              <a:t> </a:t>
+            </a:r>
+            <a:r>
+              <a:rPr lang="en-US" altLang="zh-TW" b="0" dirty="0">
+                <a:solidFill>
+                  <a:srgbClr val="89DDFF"/>
+                </a:solidFill>
+                <a:effectLst/>
+                <a:latin typeface="Consolas" panose="020B0609020204030204" pitchFamily="49" charset="0"/>
+              </a:rPr>
+              <a:t>.</a:t>
+            </a:r>
+            <a:r>
+              <a:rPr lang="en-US" altLang="zh-TW" b="0" dirty="0">
+                <a:solidFill>
+                  <a:srgbClr val="FFCB6B"/>
+                </a:solidFill>
+                <a:effectLst/>
+                <a:latin typeface="Consolas" panose="020B0609020204030204" pitchFamily="49" charset="0"/>
+              </a:rPr>
+              <a:t>navigation</a:t>
+            </a:r>
+            <a:r>
+              <a:rPr lang="en-US" altLang="zh-TW" b="0" dirty="0">
+                <a:solidFill>
+                  <a:srgbClr val="89DDFF"/>
+                </a:solidFill>
+                <a:effectLst/>
+                <a:latin typeface="Consolas" panose="020B0609020204030204" pitchFamily="49" charset="0"/>
+              </a:rPr>
+              <a:t>{</a:t>
+            </a:r>
+            <a:endParaRPr lang="en-US" altLang="zh-TW" b="0" dirty="0">
+              <a:solidFill>
+                <a:srgbClr val="EEFFFF"/>
+              </a:solidFill>
+              <a:effectLst/>
+              <a:latin typeface="Consolas" panose="020B0609020204030204" pitchFamily="49" charset="0"/>
+            </a:endParaRPr>
+          </a:p>
+          <a:p>
+            <a:r>
+              <a:rPr lang="en-US" altLang="zh-TW" b="0" dirty="0">
+                <a:solidFill>
+                  <a:srgbClr val="EEFFFF"/>
+                </a:solidFill>
+                <a:effectLst/>
+                <a:latin typeface="Consolas" panose="020B0609020204030204" pitchFamily="49" charset="0"/>
+              </a:rPr>
+              <a:t>        </a:t>
+            </a:r>
+            <a:r>
+              <a:rPr lang="en-US" altLang="zh-TW" b="0" dirty="0">
+                <a:solidFill>
+                  <a:srgbClr val="B2CCD6"/>
+                </a:solidFill>
+                <a:effectLst/>
+                <a:latin typeface="Consolas" panose="020B0609020204030204" pitchFamily="49" charset="0"/>
+              </a:rPr>
+              <a:t>display</a:t>
+            </a:r>
+            <a:r>
+              <a:rPr lang="en-US" altLang="zh-TW" b="0" dirty="0">
+                <a:solidFill>
+                  <a:srgbClr val="89DDFF"/>
+                </a:solidFill>
+                <a:effectLst/>
+                <a:latin typeface="Consolas" panose="020B0609020204030204" pitchFamily="49" charset="0"/>
+              </a:rPr>
+              <a:t>:</a:t>
+            </a:r>
+            <a:r>
+              <a:rPr lang="en-US" altLang="zh-TW" b="0" dirty="0">
+                <a:solidFill>
+                  <a:srgbClr val="EEFFFF"/>
+                </a:solidFill>
+                <a:effectLst/>
+                <a:latin typeface="Consolas" panose="020B0609020204030204" pitchFamily="49" charset="0"/>
+              </a:rPr>
+              <a:t> none</a:t>
+            </a:r>
+            <a:r>
+              <a:rPr lang="en-US" altLang="zh-TW" b="0" dirty="0">
+                <a:solidFill>
+                  <a:srgbClr val="89DDFF"/>
+                </a:solidFill>
+                <a:effectLst/>
+                <a:latin typeface="Consolas" panose="020B0609020204030204" pitchFamily="49" charset="0"/>
+              </a:rPr>
+              <a:t>;</a:t>
+            </a:r>
+            <a:endParaRPr lang="en-US" altLang="zh-TW" b="0" dirty="0">
+              <a:solidFill>
+                <a:srgbClr val="EEFFFF"/>
+              </a:solidFill>
+              <a:effectLst/>
+              <a:latin typeface="Consolas" panose="020B0609020204030204" pitchFamily="49" charset="0"/>
+            </a:endParaRPr>
+          </a:p>
+          <a:p>
+            <a:r>
+              <a:rPr lang="en-US" altLang="zh-TW" b="0" dirty="0">
+                <a:solidFill>
+                  <a:srgbClr val="EEFFFF"/>
+                </a:solidFill>
+                <a:effectLst/>
+                <a:latin typeface="Consolas" panose="020B0609020204030204" pitchFamily="49" charset="0"/>
+              </a:rPr>
+              <a:t>    </a:t>
+            </a:r>
+            <a:r>
+              <a:rPr lang="en-US" altLang="zh-TW" b="0" dirty="0">
+                <a:solidFill>
+                  <a:srgbClr val="89DDFF"/>
+                </a:solidFill>
+                <a:effectLst/>
+                <a:latin typeface="Consolas" panose="020B0609020204030204" pitchFamily="49" charset="0"/>
+              </a:rPr>
+              <a:t>}</a:t>
+            </a:r>
+            <a:endParaRPr lang="en-US" altLang="zh-TW" b="0" dirty="0">
+              <a:solidFill>
+                <a:srgbClr val="EEFFFF"/>
+              </a:solidFill>
+              <a:effectLst/>
+              <a:latin typeface="Consolas" panose="020B0609020204030204" pitchFamily="49" charset="0"/>
+            </a:endParaRPr>
+          </a:p>
+        </p:txBody>
+      </p:sp>
+      <p:sp>
+        <p:nvSpPr>
+          <p:cNvPr id="9" name="內容版面配置區 2">
+            <a:extLst>
+              <a:ext uri="{FF2B5EF4-FFF2-40B4-BE49-F238E27FC236}">
+                <a16:creationId xmlns:a16="http://schemas.microsoft.com/office/drawing/2014/main" id="{96419CE1-FC80-4BC3-81D7-D7AA3D4E4198}"/>
+              </a:ext>
+            </a:extLst>
+          </p:cNvPr>
+          <p:cNvSpPr txBox="1">
+            <a:spLocks/>
+          </p:cNvSpPr>
+          <p:nvPr/>
+        </p:nvSpPr>
+        <p:spPr>
+          <a:xfrm>
+            <a:off x="1435965" y="4457167"/>
+            <a:ext cx="2112145" cy="381711"/>
+          </a:xfrm>
+          <a:prstGeom prst="rect">
+            <a:avLst/>
+          </a:prstGeom>
+        </p:spPr>
+        <p:txBody>
+          <a:bodyPr vert="horz" lIns="91440" tIns="45720" rIns="91440" bIns="45720" rtlCol="0">
+            <a:normAutofit/>
+          </a:bodyPr>
+          <a:lstStyle>
+            <a:lvl1pPr marL="384048" indent="-384048" algn="l" defTabSz="914400" rtl="0" eaLnBrk="1" latinLnBrk="0" hangingPunct="1">
+              <a:lnSpc>
+                <a:spcPct val="94000"/>
+              </a:lnSpc>
+              <a:spcBef>
+                <a:spcPts val="1000"/>
+              </a:spcBef>
+              <a:spcAft>
+                <a:spcPts val="200"/>
+              </a:spcAft>
+              <a:buFont typeface="Franklin Gothic Book" panose="020B0503020102020204" pitchFamily="34" charset="0"/>
+              <a:buChar char="■"/>
+              <a:defRPr sz="2000" kern="1200" baseline="0">
+                <a:solidFill>
+                  <a:schemeClr val="tx2"/>
+                </a:solidFill>
+                <a:latin typeface="Consolas" panose="020B0609020204030204" pitchFamily="49" charset="0"/>
+                <a:ea typeface="+mn-ea"/>
+                <a:cs typeface="+mn-cs"/>
+              </a:defRPr>
+            </a:lvl1pPr>
+            <a:lvl2pPr marL="914400" indent="-384048" algn="l" defTabSz="914400" rtl="0" eaLnBrk="1" latinLnBrk="0" hangingPunct="1">
+              <a:lnSpc>
+                <a:spcPct val="94000"/>
+              </a:lnSpc>
+              <a:spcBef>
+                <a:spcPts val="500"/>
+              </a:spcBef>
+              <a:spcAft>
+                <a:spcPts val="200"/>
+              </a:spcAft>
+              <a:buFont typeface="Franklin Gothic Book" panose="020B0503020102020204" pitchFamily="34" charset="0"/>
+              <a:buChar char="–"/>
+              <a:defRPr sz="2000" i="1" kern="1200" baseline="0">
+                <a:solidFill>
+                  <a:schemeClr val="tx2"/>
+                </a:solidFill>
+                <a:latin typeface="Consolas" panose="020B0609020204030204" pitchFamily="49" charset="0"/>
+                <a:ea typeface="+mn-ea"/>
+                <a:cs typeface="+mn-cs"/>
+              </a:defRPr>
+            </a:lvl2pPr>
+            <a:lvl3pPr marL="1371600" indent="-384048" algn="l" defTabSz="914400" rtl="0" eaLnBrk="1" latinLnBrk="0" hangingPunct="1">
+              <a:lnSpc>
+                <a:spcPct val="94000"/>
+              </a:lnSpc>
+              <a:spcBef>
+                <a:spcPts val="500"/>
+              </a:spcBef>
+              <a:spcAft>
+                <a:spcPts val="200"/>
+              </a:spcAft>
+              <a:buFont typeface="Franklin Gothic Book" panose="020B0503020102020204" pitchFamily="34" charset="0"/>
+              <a:buChar char="■"/>
+              <a:defRPr sz="1800" kern="1200" baseline="0">
+                <a:solidFill>
+                  <a:schemeClr val="tx2"/>
+                </a:solidFill>
+                <a:latin typeface="Consolas" panose="020B0609020204030204" pitchFamily="49" charset="0"/>
+                <a:ea typeface="+mn-ea"/>
+                <a:cs typeface="+mn-cs"/>
+              </a:defRPr>
+            </a:lvl3pPr>
+            <a:lvl4pPr marL="1828800" indent="-384048" algn="l" defTabSz="914400" rtl="0" eaLnBrk="1" latinLnBrk="0" hangingPunct="1">
+              <a:lnSpc>
+                <a:spcPct val="94000"/>
+              </a:lnSpc>
+              <a:spcBef>
+                <a:spcPts val="500"/>
+              </a:spcBef>
+              <a:spcAft>
+                <a:spcPts val="200"/>
+              </a:spcAft>
+              <a:buFont typeface="Franklin Gothic Book" panose="020B0503020102020204" pitchFamily="34" charset="0"/>
+              <a:buChar char="–"/>
+              <a:defRPr sz="1800" i="1" kern="1200" baseline="0">
+                <a:solidFill>
+                  <a:schemeClr val="tx2"/>
+                </a:solidFill>
+                <a:latin typeface="Consolas" panose="020B0609020204030204" pitchFamily="49" charset="0"/>
+                <a:ea typeface="+mn-ea"/>
+                <a:cs typeface="+mn-cs"/>
+              </a:defRPr>
+            </a:lvl4pPr>
+            <a:lvl5pPr marL="2286000" indent="-384048" algn="l" defTabSz="914400" rtl="0" eaLnBrk="1" latinLnBrk="0" hangingPunct="1">
+              <a:lnSpc>
+                <a:spcPct val="94000"/>
+              </a:lnSpc>
+              <a:spcBef>
+                <a:spcPts val="500"/>
+              </a:spcBef>
+              <a:spcAft>
+                <a:spcPts val="200"/>
+              </a:spcAft>
+              <a:buFont typeface="Franklin Gothic Book" panose="020B0503020102020204" pitchFamily="34" charset="0"/>
+              <a:buChar char="■"/>
+              <a:defRPr sz="1600" kern="1200" baseline="0">
+                <a:solidFill>
+                  <a:schemeClr val="tx2"/>
+                </a:solidFill>
+                <a:latin typeface="Consolas" panose="020B0609020204030204" pitchFamily="49" charset="0"/>
+                <a:ea typeface="+mn-ea"/>
+                <a:cs typeface="+mn-cs"/>
+              </a:defRPr>
+            </a:lvl5pPr>
+            <a:lvl6pPr marL="2743200" indent="-384048" algn="l" defTabSz="914400" rtl="0" eaLnBrk="1" latinLnBrk="0" hangingPunct="1">
+              <a:lnSpc>
+                <a:spcPct val="94000"/>
+              </a:lnSpc>
+              <a:spcBef>
+                <a:spcPts val="500"/>
+              </a:spcBef>
+              <a:spcAft>
+                <a:spcPts val="200"/>
+              </a:spcAft>
+              <a:buFont typeface="Franklin Gothic Book" panose="020B0503020102020204" pitchFamily="34" charset="0"/>
+              <a:buChar char="–"/>
+              <a:defRPr sz="1600" i="1" kern="1200" baseline="0">
+                <a:solidFill>
+                  <a:schemeClr val="tx2"/>
+                </a:solidFill>
+                <a:latin typeface="+mn-lt"/>
+                <a:ea typeface="+mn-ea"/>
+                <a:cs typeface="+mn-cs"/>
+              </a:defRPr>
+            </a:lvl6pPr>
+            <a:lvl7pPr marL="3200400" indent="-384048" algn="l" defTabSz="914400" rtl="0" eaLnBrk="1" latinLnBrk="0" hangingPunct="1">
+              <a:lnSpc>
+                <a:spcPct val="94000"/>
+              </a:lnSpc>
+              <a:spcBef>
+                <a:spcPts val="500"/>
+              </a:spcBef>
+              <a:spcAft>
+                <a:spcPts val="200"/>
+              </a:spcAft>
+              <a:buFont typeface="Franklin Gothic Book" panose="020B0503020102020204" pitchFamily="34" charset="0"/>
+              <a:buChar char="■"/>
+              <a:defRPr sz="1400" kern="1200" baseline="0">
+                <a:solidFill>
+                  <a:schemeClr val="tx2"/>
+                </a:solidFill>
+                <a:latin typeface="+mn-lt"/>
+                <a:ea typeface="+mn-ea"/>
+                <a:cs typeface="+mn-cs"/>
+              </a:defRPr>
+            </a:lvl7pPr>
+            <a:lvl8pPr marL="3657600" indent="-384048" algn="l" defTabSz="914400" rtl="0" eaLnBrk="1" latinLnBrk="0" hangingPunct="1">
+              <a:lnSpc>
+                <a:spcPct val="94000"/>
+              </a:lnSpc>
+              <a:spcBef>
+                <a:spcPts val="500"/>
+              </a:spcBef>
+              <a:spcAft>
+                <a:spcPts val="200"/>
+              </a:spcAft>
+              <a:buFont typeface="Franklin Gothic Book" panose="020B0503020102020204" pitchFamily="34" charset="0"/>
+              <a:buChar char="–"/>
+              <a:defRPr sz="1400" i="1" kern="1200" baseline="0">
+                <a:solidFill>
+                  <a:schemeClr val="tx2"/>
+                </a:solidFill>
+                <a:latin typeface="+mn-lt"/>
+                <a:ea typeface="+mn-ea"/>
+                <a:cs typeface="+mn-cs"/>
+              </a:defRPr>
+            </a:lvl8pPr>
+            <a:lvl9pPr marL="4114800" indent="-384048" algn="l" defTabSz="914400" rtl="0" eaLnBrk="1" latinLnBrk="0" hangingPunct="1">
+              <a:lnSpc>
+                <a:spcPct val="94000"/>
+              </a:lnSpc>
+              <a:spcBef>
+                <a:spcPts val="500"/>
+              </a:spcBef>
+              <a:spcAft>
+                <a:spcPts val="200"/>
+              </a:spcAft>
+              <a:buFont typeface="Franklin Gothic Book" panose="020B0503020102020204" pitchFamily="34" charset="0"/>
+              <a:buChar char="■"/>
+              <a:defRPr sz="1400" kern="1200" baseline="0">
+                <a:solidFill>
+                  <a:schemeClr val="tx2"/>
+                </a:solidFill>
+                <a:latin typeface="+mn-lt"/>
+                <a:ea typeface="+mn-ea"/>
+                <a:cs typeface="+mn-cs"/>
+              </a:defRPr>
+            </a:lvl9pPr>
+          </a:lstStyle>
+          <a:p>
+            <a:pPr marL="0" indent="0">
+              <a:buFont typeface="Franklin Gothic Book" panose="020B0503020102020204" pitchFamily="34" charset="0"/>
+              <a:buNone/>
+            </a:pPr>
+            <a:r>
+              <a:rPr lang="zh-TW" altLang="en-US" dirty="0">
+                <a:solidFill>
+                  <a:srgbClr val="89DDFF"/>
+                </a:solidFill>
+              </a:rPr>
+              <a:t>把</a:t>
+            </a:r>
+            <a:r>
+              <a:rPr lang="en-US" altLang="zh-TW" dirty="0">
+                <a:solidFill>
+                  <a:srgbClr val="89DDFF"/>
+                </a:solidFill>
+              </a:rPr>
+              <a:t>ul</a:t>
+            </a:r>
+            <a:r>
+              <a:rPr lang="zh-TW" altLang="en-US" dirty="0">
+                <a:solidFill>
+                  <a:srgbClr val="89DDFF"/>
+                </a:solidFill>
+              </a:rPr>
+              <a:t>拿掉</a:t>
+            </a:r>
+            <a:endParaRPr lang="zh-TW" altLang="en-US" dirty="0"/>
+          </a:p>
+        </p:txBody>
+      </p:sp>
     </p:spTree>
     <p:extLst>
       <p:ext uri="{BB962C8B-B14F-4D97-AF65-F5344CB8AC3E}">
@@ -14512,7 +14576,15 @@
             </a:r>
             <a:r>
               <a:rPr lang="en-US" altLang="zh-TW" dirty="0"/>
-              <a:t>class</a:t>
+              <a:t>class(</a:t>
+            </a:r>
+            <a:r>
+              <a:rPr lang="zh-TW" altLang="en-US" dirty="0"/>
+              <a:t>顯示</a:t>
+            </a:r>
+            <a:r>
+              <a:rPr lang="en-US" altLang="zh-TW" dirty="0"/>
+              <a:t>nav)</a:t>
             </a:r>
             <a:endParaRPr lang="zh-TW" altLang="en-US" dirty="0"/>
           </a:p>
@@ -14939,78 +15011,6 @@
               </a:solidFill>
               <a:effectLst/>
               <a:latin typeface="Consolas" panose="020B0609020204030204" pitchFamily="49" charset="0"/>
-            </a:endParaRPr>
-          </a:p>
-        </p:txBody>
-      </p:sp>
-      <p:sp>
-        <p:nvSpPr>
-          <p:cNvPr id="7" name="文字方塊 6">
-            <a:extLst>
-              <a:ext uri="{FF2B5EF4-FFF2-40B4-BE49-F238E27FC236}">
-                <a16:creationId xmlns:a16="http://schemas.microsoft.com/office/drawing/2014/main" id="{5783780B-16B2-4864-94D3-DF1F1021F228}"/>
-              </a:ext>
-            </a:extLst>
-          </p:cNvPr>
-          <p:cNvSpPr txBox="1"/>
-          <p:nvPr/>
-        </p:nvSpPr>
-        <p:spPr>
-          <a:xfrm>
-            <a:off x="1371600" y="1790615"/>
-            <a:ext cx="6112274" cy="369332"/>
-          </a:xfrm>
-          <a:prstGeom prst="rect">
-            <a:avLst/>
-          </a:prstGeom>
-          <a:noFill/>
-        </p:spPr>
-        <p:txBody>
-          <a:bodyPr wrap="square">
-            <a:spAutoFit/>
-          </a:bodyPr>
-          <a:lstStyle/>
-          <a:p>
-            <a:pPr marL="0" indent="0">
-              <a:buFont typeface="Franklin Gothic Book" panose="020B0503020102020204" pitchFamily="34" charset="0"/>
-              <a:buNone/>
-            </a:pPr>
-            <a:r>
-              <a:rPr lang="en-US" altLang="zh-TW" dirty="0">
-                <a:solidFill>
-                  <a:srgbClr val="89DDFF"/>
-                </a:solidFill>
-              </a:rPr>
-              <a:t>2.</a:t>
-            </a:r>
-            <a:r>
-              <a:rPr lang="zh-TW" altLang="en-US" dirty="0">
-                <a:solidFill>
-                  <a:srgbClr val="89DDFF"/>
-                </a:solidFill>
-              </a:rPr>
-              <a:t> 寫</a:t>
-            </a:r>
-            <a:r>
-              <a:rPr lang="en-US" altLang="zh-TW" dirty="0">
-                <a:solidFill>
-                  <a:srgbClr val="89DDFF"/>
-                </a:solidFill>
-              </a:rPr>
-              <a:t>JS</a:t>
-            </a:r>
-            <a:r>
-              <a:rPr lang="zh-TW" altLang="en-US" dirty="0">
-                <a:solidFill>
-                  <a:srgbClr val="89DDFF"/>
-                </a:solidFill>
-              </a:rPr>
-              <a:t>動作</a:t>
-            </a:r>
-            <a:endParaRPr lang="en-US" altLang="zh-TW" dirty="0">
-              <a:solidFill>
-                <a:srgbClr val="89DDFF"/>
-              </a:solidFill>
             </a:endParaRPr>
           </a:p>
         </p:txBody>
@@ -15235,6 +15235,92 @@
           </a:p>
         </p:txBody>
       </p:sp>
+      <p:pic>
+        <p:nvPicPr>
+          <p:cNvPr id="5" name="圖片 4">
+            <a:extLst>
+              <a:ext uri="{FF2B5EF4-FFF2-40B4-BE49-F238E27FC236}">
+                <a16:creationId xmlns:a16="http://schemas.microsoft.com/office/drawing/2014/main" id="{2311890F-D204-4BFB-9798-70DF52EFFB7D}"/>
+              </a:ext>
+            </a:extLst>
+          </p:cNvPr>
+          <p:cNvPicPr>
+            <a:picLocks noChangeAspect="1"/>
+          </p:cNvPicPr>
+          <p:nvPr/>
+        </p:nvPicPr>
+        <p:blipFill>
+          <a:blip r:embed="rId2"/>
+          <a:stretch>
+            <a:fillRect/>
+          </a:stretch>
+        </p:blipFill>
+        <p:spPr>
+          <a:xfrm>
+            <a:off x="7483874" y="3729931"/>
+            <a:ext cx="4324954" cy="2219635"/>
+          </a:xfrm>
+          <a:prstGeom prst="rect">
+            <a:avLst/>
+          </a:prstGeom>
+        </p:spPr>
+      </p:pic>
+      <p:sp>
+        <p:nvSpPr>
+          <p:cNvPr id="14" name="矩形 13">
+            <a:extLst>
+              <a:ext uri="{FF2B5EF4-FFF2-40B4-BE49-F238E27FC236}">
+                <a16:creationId xmlns:a16="http://schemas.microsoft.com/office/drawing/2014/main" id="{7A5D676C-163F-448F-A02C-36D882C8503E}"/>
+              </a:ext>
+            </a:extLst>
+          </p:cNvPr>
+          <p:cNvSpPr/>
+          <p:nvPr/>
+        </p:nvSpPr>
+        <p:spPr>
+          <a:xfrm>
+            <a:off x="10022889" y="5450888"/>
+            <a:ext cx="1297871" cy="292747"/>
+          </a:xfrm>
+          <a:prstGeom prst="rect">
+            <a:avLst/>
+          </a:prstGeom>
+          <a:noFill/>
+          <a:ln w="28575" cap="flat" cmpd="sng" algn="ctr">
+            <a:solidFill>
+              <a:schemeClr val="accent6">
+                <a:lumMod val="75000"/>
+              </a:schemeClr>
+            </a:solidFill>
+            <a:prstDash val="solid"/>
+            <a:round/>
+            <a:headEnd type="none" w="med" len="med"/>
+            <a:tailEnd type="none" w="med" len="med"/>
+          </a:ln>
+        </p:spPr>
+        <p:style>
+          <a:lnRef idx="0">
+            <a:scrgbClr r="0" g="0" b="0"/>
+          </a:lnRef>
+          <a:fillRef idx="0">
+            <a:scrgbClr r="0" g="0" b="0"/>
+          </a:fillRef>
+          <a:effectRef idx="0">
+            <a:scrgbClr r="0" g="0" b="0"/>
+          </a:effectRef>
+          <a:fontRef idx="minor">
+            <a:schemeClr val="accent2"/>
+          </a:fontRef>
+        </p:style>
+        <p:txBody>
+          <a:bodyPr rtlCol="0" anchor="ctr"/>
+          <a:lstStyle/>
+          <a:p>
+            <a:pPr algn="ctr"/>
+            <a:endParaRPr lang="zh-TW" altLang="en-US"/>
+          </a:p>
+        </p:txBody>
+      </p:sp>
     </p:spTree>
     <p:extLst>
       <p:ext uri="{BB962C8B-B14F-4D97-AF65-F5344CB8AC3E}">
@@ -15325,7 +15411,7 @@
         </p:spPr>
         <p:txBody>
           <a:bodyPr>
-            <a:normAutofit lnSpcReduction="10000"/>
+            <a:normAutofit fontScale="92500" lnSpcReduction="10000"/>
           </a:bodyPr>
           <a:lstStyle/>
           <a:p>
@@ -15345,13 +15431,58 @@
             <a:r>
               <a:rPr lang="en-US" altLang="zh-TW" b="0" dirty="0">
                 <a:solidFill>
+                  <a:srgbClr val="89DDFF"/>
+                </a:solidFill>
+                <a:effectLst/>
+                <a:latin typeface="Consolas" panose="020B0609020204030204" pitchFamily="49" charset="0"/>
+              </a:rPr>
+              <a:t>.</a:t>
+            </a:r>
+            <a:r>
+              <a:rPr lang="en-US" altLang="zh-TW" b="0" dirty="0" err="1">
+                <a:solidFill>
                   <a:srgbClr val="FFCB6B"/>
                 </a:solidFill>
                 <a:effectLst/>
                 <a:latin typeface="Consolas" panose="020B0609020204030204" pitchFamily="49" charset="0"/>
               </a:rPr>
-              <a:t>header</a:t>
-            </a:r>
+              <a:t>navigation</a:t>
+            </a:r>
+            <a:r>
+              <a:rPr lang="en-US" altLang="zh-TW" b="0" dirty="0" err="1">
+                <a:solidFill>
+                  <a:srgbClr val="89DDFF"/>
+                </a:solidFill>
+                <a:effectLst/>
+                <a:latin typeface="Consolas" panose="020B0609020204030204" pitchFamily="49" charset="0"/>
+              </a:rPr>
+              <a:t>.</a:t>
+            </a:r>
+            <a:r>
+              <a:rPr lang="en-US" altLang="zh-TW" b="0" dirty="0" err="1">
+                <a:solidFill>
+                  <a:srgbClr val="FFCB6B"/>
+                </a:solidFill>
+                <a:effectLst/>
+                <a:latin typeface="Consolas" panose="020B0609020204030204" pitchFamily="49" charset="0"/>
+              </a:rPr>
+              <a:t>active</a:t>
+            </a:r>
+            <a:r>
+              <a:rPr lang="en-US" altLang="zh-TW" b="0" dirty="0">
+                <a:solidFill>
+                  <a:srgbClr val="89DDFF"/>
+                </a:solidFill>
+                <a:effectLst/>
+                <a:latin typeface="Consolas" panose="020B0609020204030204" pitchFamily="49" charset="0"/>
+              </a:rPr>
+              <a:t>{</a:t>
+            </a:r>
+          </a:p>
+          <a:p>
+            <a:pPr marL="0" indent="0">
+              <a:buNone/>
+            </a:pPr>
             <a:r>
               <a:rPr lang="en-US" altLang="zh-TW" b="0" dirty="0">
                 <a:solidFill>
@@ -15360,67 +15491,92 @@
                 <a:effectLst/>
                 <a:latin typeface="Consolas" panose="020B0609020204030204" pitchFamily="49" charset="0"/>
               </a:rPr>
-              <a:t> </a:t>
-            </a:r>
-            <a:r>
-              <a:rPr lang="en-US" altLang="zh-TW" b="0" dirty="0" err="1">
-                <a:solidFill>
-                  <a:srgbClr val="FFCB6B"/>
-                </a:solidFill>
-                <a:effectLst/>
-                <a:latin typeface="Consolas" panose="020B0609020204030204" pitchFamily="49" charset="0"/>
-              </a:rPr>
-              <a:t>ul</a:t>
-            </a:r>
-            <a:r>
-              <a:rPr lang="en-US" altLang="zh-TW" b="0" dirty="0" err="1">
-                <a:solidFill>
-                  <a:srgbClr val="89DDFF"/>
-                </a:solidFill>
-                <a:effectLst/>
-                <a:latin typeface="Consolas" panose="020B0609020204030204" pitchFamily="49" charset="0"/>
-              </a:rPr>
-              <a:t>.</a:t>
-            </a:r>
-            <a:r>
-              <a:rPr lang="en-US" altLang="zh-TW" b="0" dirty="0" err="1">
-                <a:solidFill>
-                  <a:srgbClr val="FFCB6B"/>
-                </a:solidFill>
-                <a:effectLst/>
-                <a:latin typeface="Consolas" panose="020B0609020204030204" pitchFamily="49" charset="0"/>
-              </a:rPr>
-              <a:t>navigation</a:t>
-            </a:r>
-            <a:r>
-              <a:rPr lang="en-US" altLang="zh-TW" b="0" dirty="0" err="1">
-                <a:solidFill>
-                  <a:srgbClr val="89DDFF"/>
-                </a:solidFill>
-                <a:effectLst/>
-                <a:latin typeface="Consolas" panose="020B0609020204030204" pitchFamily="49" charset="0"/>
-              </a:rPr>
-              <a:t>.</a:t>
-            </a:r>
-            <a:r>
-              <a:rPr lang="en-US" altLang="zh-TW" b="0" dirty="0" err="1">
-                <a:solidFill>
-                  <a:srgbClr val="FFCB6B"/>
-                </a:solidFill>
-                <a:effectLst/>
-                <a:latin typeface="Consolas" panose="020B0609020204030204" pitchFamily="49" charset="0"/>
-              </a:rPr>
-              <a:t>active</a:t>
-            </a:r>
-            <a:r>
-              <a:rPr lang="en-US" altLang="zh-TW" b="0" dirty="0">
-                <a:solidFill>
-                  <a:srgbClr val="89DDFF"/>
-                </a:solidFill>
-                <a:effectLst/>
-                <a:latin typeface="Consolas" panose="020B0609020204030204" pitchFamily="49" charset="0"/>
-              </a:rPr>
-              <a:t>{</a:t>
+              <a:t>    </a:t>
+            </a:r>
+            <a:r>
+              <a:rPr lang="en-US" altLang="zh-TW" b="0" dirty="0">
+                <a:solidFill>
+                  <a:srgbClr val="B2CCD6"/>
+                </a:solidFill>
+                <a:effectLst/>
+                <a:latin typeface="Consolas" panose="020B0609020204030204" pitchFamily="49" charset="0"/>
+              </a:rPr>
+              <a:t>display</a:t>
+            </a:r>
+            <a:r>
+              <a:rPr lang="en-US" altLang="zh-TW" b="0" dirty="0">
+                <a:solidFill>
+                  <a:srgbClr val="89DDFF"/>
+                </a:solidFill>
+                <a:effectLst/>
+                <a:latin typeface="Consolas" panose="020B0609020204030204" pitchFamily="49" charset="0"/>
+              </a:rPr>
+              <a:t>:</a:t>
+            </a:r>
+            <a:r>
+              <a:rPr lang="en-US" altLang="zh-TW" b="0" dirty="0">
+                <a:solidFill>
+                  <a:srgbClr val="EEFFFF"/>
+                </a:solidFill>
+                <a:effectLst/>
+                <a:latin typeface="Consolas" panose="020B0609020204030204" pitchFamily="49" charset="0"/>
+              </a:rPr>
+              <a:t> flex</a:t>
+            </a:r>
+            <a:r>
+              <a:rPr lang="en-US" altLang="zh-TW" b="0" dirty="0">
+                <a:solidFill>
+                  <a:srgbClr val="89DDFF"/>
+                </a:solidFill>
+                <a:effectLst/>
+                <a:latin typeface="Consolas" panose="020B0609020204030204" pitchFamily="49" charset="0"/>
+              </a:rPr>
+              <a:t>;</a:t>
+            </a:r>
+          </a:p>
+          <a:p>
+            <a:pPr marL="0" indent="0">
+              <a:buNone/>
+            </a:pPr>
+            <a:r>
+              <a:rPr lang="en-US" altLang="zh-TW" b="0" dirty="0">
+                <a:solidFill>
+                  <a:srgbClr val="B2CCD6"/>
+                </a:solidFill>
+                <a:effectLst/>
+                <a:latin typeface="Consolas" panose="020B0609020204030204" pitchFamily="49" charset="0"/>
+              </a:rPr>
+              <a:t>    flex-direction</a:t>
+            </a:r>
+            <a:r>
+              <a:rPr lang="en-US" altLang="zh-TW" b="0" dirty="0">
+                <a:solidFill>
+                  <a:srgbClr val="89DDFF"/>
+                </a:solidFill>
+                <a:effectLst/>
+                <a:latin typeface="Consolas" panose="020B0609020204030204" pitchFamily="49" charset="0"/>
+              </a:rPr>
+              <a:t>:</a:t>
+            </a:r>
+            <a:r>
+              <a:rPr lang="en-US" altLang="zh-TW" b="0" dirty="0">
+                <a:solidFill>
+                  <a:srgbClr val="EEFFFF"/>
+                </a:solidFill>
+                <a:effectLst/>
+                <a:latin typeface="Consolas" panose="020B0609020204030204" pitchFamily="49" charset="0"/>
+              </a:rPr>
+              <a:t> column</a:t>
+            </a:r>
+            <a:r>
+              <a:rPr lang="en-US" altLang="zh-TW" b="0" dirty="0">
+                <a:solidFill>
+                  <a:srgbClr val="89DDFF"/>
+                </a:solidFill>
+                <a:effectLst/>
+                <a:latin typeface="Consolas" panose="020B0609020204030204" pitchFamily="49" charset="0"/>
+              </a:rPr>
+              <a:t>;</a:t>
             </a:r>
             <a:endParaRPr lang="en-US" altLang="zh-TW" b="0" dirty="0">
               <a:solidFill>
@@ -15452,7 +15608,7 @@
                 <a:effectLst/>
                 <a:latin typeface="Consolas" panose="020B0609020204030204" pitchFamily="49" charset="0"/>
               </a:rPr>
-              <a:t>position</a:t>
+              <a:t>justify-content</a:t>
             </a:r>
             <a:r>
               <a:rPr lang="en-US" altLang="zh-TW" b="0" dirty="0">
@@ -15472,70 +15628,7 @@
                 <a:effectLst/>
                 <a:latin typeface="Consolas" panose="020B0609020204030204" pitchFamily="49" charset="0"/>
               </a:rPr>
-              <a:t> fixed</a:t>
-            </a:r>
-            <a:r>
-              <a:rPr lang="en-US" altLang="zh-TW" b="0" dirty="0">
-                <a:solidFill>
-                  <a:srgbClr val="89DDFF"/>
-                </a:solidFill>
-                <a:effectLst/>
-                <a:latin typeface="Consolas" panose="020B0609020204030204" pitchFamily="49" charset="0"/>
-              </a:rPr>
-              <a:t>;</a:t>
-            </a:r>
-          </a:p>
-          <a:p>
-            <a:pPr marL="0" indent="0">
-              <a:buNone/>
-            </a:pPr>
-            <a:r>
-              <a:rPr lang="zh-TW" altLang="en-US" dirty="0">
-                <a:solidFill>
-                  <a:srgbClr val="B2CCD6"/>
-                </a:solidFill>
-              </a:rPr>
-              <a:t>    </a:t>
-            </a:r>
-            <a:r>
-              <a:rPr lang="en-US" altLang="zh-TW" b="0" dirty="0">
-                <a:solidFill>
-                  <a:srgbClr val="B2CCD6"/>
-                </a:solidFill>
-                <a:effectLst/>
-                <a:latin typeface="Consolas" panose="020B0609020204030204" pitchFamily="49" charset="0"/>
-              </a:rPr>
-              <a:t>top</a:t>
-            </a:r>
-            <a:r>
-              <a:rPr lang="en-US" altLang="zh-TW" b="0" dirty="0">
-                <a:solidFill>
-                  <a:srgbClr val="89DDFF"/>
-                </a:solidFill>
-                <a:effectLst/>
-                <a:latin typeface="Consolas" panose="020B0609020204030204" pitchFamily="49" charset="0"/>
-              </a:rPr>
-              <a:t>:</a:t>
-            </a:r>
-            <a:r>
-              <a:rPr lang="en-US" altLang="zh-TW" b="0" dirty="0">
-                <a:solidFill>
-                  <a:srgbClr val="EEFFFF"/>
-                </a:solidFill>
-                <a:effectLst/>
-                <a:latin typeface="Consolas" panose="020B0609020204030204" pitchFamily="49" charset="0"/>
-              </a:rPr>
-              <a:t> </a:t>
-            </a:r>
-            <a:r>
-              <a:rPr lang="en-US" altLang="zh-TW" b="0" dirty="0">
-                <a:solidFill>
-                  <a:srgbClr val="F78C6C"/>
-                </a:solidFill>
-                <a:effectLst/>
-                <a:latin typeface="Consolas" panose="020B0609020204030204" pitchFamily="49" charset="0"/>
-              </a:rPr>
-              <a:t>0</a:t>
+              <a:t> center</a:t>
             </a:r>
             <a:r>
               <a:rPr lang="en-US" altLang="zh-TW" b="0" dirty="0">
@@ -15577,7 +15670,7 @@
                 <a:effectLst/>
                 <a:latin typeface="Consolas" panose="020B0609020204030204" pitchFamily="49" charset="0"/>
               </a:rPr>
-              <a:t>left</a:t>
+              <a:t>align-items</a:t>
             </a:r>
             <a:r>
               <a:rPr lang="en-US" altLang="zh-TW" b="0" dirty="0">
@@ -15597,17 +15690,7 @@
                 <a:effectLst/>
                 <a:latin typeface="Consolas" panose="020B0609020204030204" pitchFamily="49" charset="0"/>
               </a:rPr>
-              <a:t> </a:t>
-            </a:r>
-            <a:r>
-              <a:rPr lang="en-US" altLang="zh-TW" b="0" dirty="0">
-                <a:solidFill>
-                  <a:srgbClr val="F78C6C"/>
-                </a:solidFill>
-                <a:effectLst/>
-                <a:latin typeface="Consolas" panose="020B0609020204030204" pitchFamily="49" charset="0"/>
-              </a:rPr>
-              <a:t>0</a:t>
+              <a:t> center</a:t>
             </a:r>
             <a:r>
               <a:rPr lang="en-US" altLang="zh-TW" b="0" dirty="0">
@@ -15649,7 +15732,7 @@
                 <a:effectLst/>
                 <a:latin typeface="Consolas" panose="020B0609020204030204" pitchFamily="49" charset="0"/>
               </a:rPr>
-              <a:t>background-color</a:t>
+              <a:t>background</a:t>
             </a:r>
             <a:r>
               <a:rPr lang="en-US" altLang="zh-TW" b="0" dirty="0">
@@ -15682,12 +15765,10 @@
               <a:t>#</a:t>
             </a:r>
             <a:r>
-              <a:rPr lang="en-US" altLang="zh-TW" b="0" dirty="0">
+              <a:rPr lang="en-US" altLang="zh-TW" dirty="0">
                 <a:solidFill>
                   <a:srgbClr val="EEFFFF"/>
                 </a:solidFill>
-                <a:effectLst/>
-                <a:latin typeface="Consolas" panose="020B0609020204030204" pitchFamily="49" charset="0"/>
               </a:rPr>
               <a:t>fff</a:t>
             </a:r>
@@ -15875,7 +15956,7 @@
                 <a:effectLst/>
                 <a:latin typeface="Consolas" panose="020B0609020204030204" pitchFamily="49" charset="0"/>
               </a:rPr>
-              <a:t>display</a:t>
+              <a:t>top</a:t>
             </a:r>
             <a:r>
               <a:rPr lang="en-US" altLang="zh-TW" b="0" dirty="0">
@@ -15895,7 +15976,17 @@
                 <a:effectLst/>
                 <a:latin typeface="Consolas" panose="020B0609020204030204" pitchFamily="49" charset="0"/>
               </a:rPr>
-              <a:t> flex</a:t>
+              <a:t> </a:t>
+            </a:r>
+            <a:r>
+              <a:rPr lang="en-US" altLang="zh-TW" b="0" dirty="0">
+                <a:solidFill>
+                  <a:srgbClr val="F78C6C"/>
+                </a:solidFill>
+                <a:effectLst/>
+                <a:latin typeface="Consolas" panose="020B0609020204030204" pitchFamily="49" charset="0"/>
+              </a:rPr>
+              <a:t>0</a:t>
             </a:r>
             <a:r>
               <a:rPr lang="en-US" altLang="zh-TW" b="0" dirty="0">
@@ -15937,7 +16028,7 @@
                 <a:effectLst/>
                 <a:latin typeface="Consolas" panose="020B0609020204030204" pitchFamily="49" charset="0"/>
               </a:rPr>
-              <a:t>justify-content</a:t>
+              <a:t>left</a:t>
             </a:r>
             <a:r>
               <a:rPr lang="en-US" altLang="zh-TW" b="0" dirty="0">
@@ -15957,7 +16048,17 @@
                 <a:effectLst/>
                 <a:latin typeface="Consolas" panose="020B0609020204030204" pitchFamily="49" charset="0"/>
               </a:rPr>
-              <a:t> center</a:t>
+              <a:t> </a:t>
+            </a:r>
+            <a:r>
+              <a:rPr lang="en-US" altLang="zh-TW" b="0" dirty="0">
+                <a:solidFill>
+                  <a:srgbClr val="F78C6C"/>
+                </a:solidFill>
+                <a:effectLst/>
+                <a:latin typeface="Consolas" panose="020B0609020204030204" pitchFamily="49" charset="0"/>
+              </a:rPr>
+              <a:t>0</a:t>
             </a:r>
             <a:r>
               <a:rPr lang="en-US" altLang="zh-TW" b="0" dirty="0">
@@ -15999,7 +16100,7 @@
                 <a:effectLst/>
                 <a:latin typeface="Consolas" panose="020B0609020204030204" pitchFamily="49" charset="0"/>
               </a:rPr>
-              <a:t>align-items</a:t>
+              <a:t>position</a:t>
             </a:r>
             <a:r>
               <a:rPr lang="en-US" altLang="zh-TW" b="0" dirty="0">
@@ -16019,7 +16120,7 @@
                 <a:effectLst/>
                 <a:latin typeface="Consolas" panose="020B0609020204030204" pitchFamily="49" charset="0"/>
               </a:rPr>
-              <a:t> center</a:t>
+              <a:t> absolute</a:t>
             </a:r>
             <a:r>
               <a:rPr lang="en-US" altLang="zh-TW" b="0" dirty="0">
@@ -16061,7 +16162,7 @@
                 <a:effectLst/>
                 <a:latin typeface="Consolas" panose="020B0609020204030204" pitchFamily="49" charset="0"/>
               </a:rPr>
-              <a:t>flex-direction</a:t>
+              <a:t>z-index</a:t>
             </a:r>
             <a:r>
               <a:rPr lang="en-US" altLang="zh-TW" b="0" dirty="0">
@@ -16081,7 +16182,17 @@
                 <a:effectLst/>
                 <a:latin typeface="Consolas" panose="020B0609020204030204" pitchFamily="49" charset="0"/>
               </a:rPr>
-              <a:t> column</a:t>
+              <a:t> </a:t>
+            </a:r>
+            <a:r>
+              <a:rPr lang="en-US" altLang="zh-TW" b="0" dirty="0">
+                <a:solidFill>
+                  <a:srgbClr val="F78C6C"/>
+                </a:solidFill>
+                <a:effectLst/>
+                <a:latin typeface="Consolas" panose="020B0609020204030204" pitchFamily="49" charset="0"/>
+              </a:rPr>
+              <a:t>10</a:t>
             </a:r>
             <a:r>
               <a:rPr lang="en-US" altLang="zh-TW" b="0" dirty="0">
@@ -16113,7 +16224,7 @@
                 <a:effectLst/>
                 <a:latin typeface="Consolas" panose="020B0609020204030204" pitchFamily="49" charset="0"/>
               </a:rPr>
-              <a:t>  </a:t>
+              <a:t>     </a:t>
             </a:r>
             <a:r>
               <a:rPr lang="en-US" altLang="zh-TW" b="0" dirty="0">
@@ -16149,8 +16260,8 @@
         </p:nvSpPr>
         <p:spPr>
           <a:xfrm>
-            <a:off x="5597069" y="1997476"/>
-            <a:ext cx="2155054" cy="3416320"/>
+            <a:off x="5273334" y="5197045"/>
+            <a:ext cx="2518601" cy="369332"/>
           </a:xfrm>
           <a:prstGeom prst="rect">
             <a:avLst/>
@@ -16163,174 +16274,8 @@
           </a:bodyPr>
           <a:lstStyle/>
           <a:p>
-            <a:pPr marL="342900" indent="-342900">
-              <a:buAutoNum type="arabicPeriod"/>
-            </a:pPr>
-            <a:r>
-              <a:rPr lang="zh-TW" altLang="en-US" b="1" dirty="0">
-                <a:solidFill>
-                  <a:schemeClr val="accent5">
-                    <a:lumMod val="40000"/>
-                    <a:lumOff val="60000"/>
-                  </a:schemeClr>
-                </a:solidFill>
-              </a:rPr>
-              <a:t>位置固定</a:t>
-            </a:r>
-            <a:endParaRPr lang="en-US" altLang="zh-TW" b="1" dirty="0">
-              <a:solidFill>
-                <a:schemeClr val="accent5">
-                  <a:lumMod val="40000"/>
-                  <a:lumOff val="60000"/>
-                </a:schemeClr>
-              </a:solidFill>
-            </a:endParaRPr>
-          </a:p>
-          <a:p>
-            <a:pPr marL="342900" indent="-342900">
-              <a:buAutoNum type="arabicPeriod"/>
-            </a:pPr>
-            <a:endParaRPr lang="en-US" altLang="zh-TW" dirty="0">
-              <a:solidFill>
-                <a:schemeClr val="accent6">
-                  <a:lumMod val="40000"/>
-                  <a:lumOff val="60000"/>
-                </a:schemeClr>
-              </a:solidFill>
-            </a:endParaRPr>
-          </a:p>
-          <a:p>
-            <a:pPr marL="342900" indent="-342900">
-              <a:buAutoNum type="arabicPeriod"/>
-            </a:pPr>
-            <a:endParaRPr lang="en-US" altLang="zh-TW" dirty="0">
-              <a:solidFill>
-                <a:schemeClr val="accent6">
-                  <a:lumMod val="40000"/>
-                  <a:lumOff val="60000"/>
-                </a:schemeClr>
-              </a:solidFill>
-            </a:endParaRPr>
-          </a:p>
-          <a:p>
-            <a:pPr marL="342900" indent="-342900">
-              <a:buAutoNum type="arabicPeriod"/>
-            </a:pPr>
-            <a:endParaRPr lang="en-US" altLang="zh-TW" dirty="0">
-              <a:solidFill>
-                <a:schemeClr val="accent6">
-                  <a:lumMod val="40000"/>
-                  <a:lumOff val="60000"/>
-                </a:schemeClr>
-              </a:solidFill>
-            </a:endParaRPr>
-          </a:p>
-          <a:p>
-            <a:pPr marL="342900" indent="-342900">
-              <a:buAutoNum type="arabicPeriod"/>
-            </a:pPr>
-            <a:endParaRPr lang="en-US" altLang="zh-TW" dirty="0">
-              <a:solidFill>
-                <a:schemeClr val="accent6">
-                  <a:lumMod val="40000"/>
-                  <a:lumOff val="60000"/>
-                </a:schemeClr>
-              </a:solidFill>
-            </a:endParaRPr>
-          </a:p>
-          <a:p>
-            <a:pPr marL="342900" indent="-342900">
-              <a:buAutoNum type="arabicPeriod"/>
-            </a:pPr>
-            <a:r>
-              <a:rPr lang="zh-TW" altLang="en-US" b="1" dirty="0">
-                <a:solidFill>
-                  <a:schemeClr val="accent6">
-                    <a:lumMod val="40000"/>
-                    <a:lumOff val="60000"/>
-                  </a:schemeClr>
-                </a:solidFill>
-              </a:rPr>
-              <a:t>背景白色</a:t>
-            </a:r>
-            <a:endParaRPr lang="en-US" altLang="zh-TW" b="1" dirty="0">
-              <a:solidFill>
-                <a:schemeClr val="accent6">
-                  <a:lumMod val="40000"/>
-                  <a:lumOff val="60000"/>
-                </a:schemeClr>
-              </a:solidFill>
-            </a:endParaRPr>
-          </a:p>
-          <a:p>
-            <a:pPr marL="342900" indent="-342900">
-              <a:buAutoNum type="arabicPeriod"/>
-            </a:pPr>
-            <a:r>
-              <a:rPr lang="zh-TW" altLang="en-US" b="1" dirty="0">
-                <a:solidFill>
-                  <a:schemeClr val="accent6">
-                    <a:lumMod val="40000"/>
-                    <a:lumOff val="60000"/>
-                  </a:schemeClr>
-                </a:solidFill>
-              </a:rPr>
-              <a:t>設定寬高</a:t>
-            </a:r>
-            <a:endParaRPr lang="en-US" altLang="zh-TW" b="1" dirty="0">
-              <a:solidFill>
-                <a:schemeClr val="accent6">
-                  <a:lumMod val="40000"/>
-                  <a:lumOff val="60000"/>
-                </a:schemeClr>
-              </a:solidFill>
-            </a:endParaRPr>
-          </a:p>
-          <a:p>
-            <a:pPr marL="342900" indent="-342900">
-              <a:buAutoNum type="arabicPeriod"/>
-            </a:pPr>
-            <a:endParaRPr lang="en-US" altLang="zh-TW" dirty="0">
-              <a:solidFill>
-                <a:schemeClr val="accent6">
-                  <a:lumMod val="40000"/>
-                  <a:lumOff val="60000"/>
-                </a:schemeClr>
-              </a:solidFill>
-            </a:endParaRPr>
-          </a:p>
-          <a:p>
-            <a:pPr marL="342900" indent="-342900">
-              <a:buAutoNum type="arabicPeriod"/>
-            </a:pPr>
-            <a:endParaRPr lang="en-US" altLang="zh-TW" dirty="0">
-              <a:solidFill>
-                <a:schemeClr val="accent6">
-                  <a:lumMod val="40000"/>
-                  <a:lumOff val="60000"/>
-                </a:schemeClr>
-              </a:solidFill>
-            </a:endParaRPr>
-          </a:p>
-          <a:p>
-            <a:pPr marL="342900" indent="-342900">
-              <a:buAutoNum type="arabicPeriod"/>
-            </a:pPr>
-            <a:endParaRPr lang="en-US" altLang="zh-TW" dirty="0">
-              <a:solidFill>
-                <a:schemeClr val="accent6">
-                  <a:lumMod val="40000"/>
-                  <a:lumOff val="60000"/>
-                </a:schemeClr>
-              </a:solidFill>
-            </a:endParaRPr>
-          </a:p>
-          <a:p>
-            <a:pPr marL="342900" indent="-342900">
-              <a:buAutoNum type="arabicPeriod"/>
-            </a:pPr>
-            <a:r>
-              <a:rPr lang="zh-TW" altLang="en-US" b="1" dirty="0">
+            <a:r>
+              <a:rPr lang="en-US" altLang="zh-TW" b="1" dirty="0">
                 <a:solidFill>
                   <a:schemeClr val="accent4">
                     <a:lumMod val="60000"/>
@@ -16338,18 +16283,8 @@
                   </a:schemeClr>
                 </a:solidFill>
               </a:rPr>
-              <a:t>垂直排列、</a:t>
-            </a:r>
-            <a:endParaRPr lang="en-US" altLang="zh-TW" b="1" dirty="0">
-              <a:solidFill>
-                <a:schemeClr val="accent4">
-                  <a:lumMod val="60000"/>
-                  <a:lumOff val="40000"/>
-                </a:schemeClr>
-              </a:solidFill>
-            </a:endParaRPr>
-          </a:p>
-          <a:p>
+              <a:t>1.</a:t>
+            </a:r>
             <a:r>
               <a:rPr lang="zh-TW" altLang="en-US" b="1" dirty="0">
                 <a:solidFill>
@@ -16359,7 +16294,7 @@
                   </a:schemeClr>
                 </a:solidFill>
               </a:rPr>
-              <a:t>      垂直水平置中</a:t>
+              <a:t> 從左上角開始布局</a:t>
             </a:r>
             <a:endParaRPr lang="en-US" altLang="zh-TW" b="1" dirty="0">
               <a:solidFill>
@@ -16386,8 +16321,8 @@
         </p:nvSpPr>
         <p:spPr>
           <a:xfrm>
-            <a:off x="1740023" y="1864311"/>
-            <a:ext cx="5948039" cy="1278384"/>
+            <a:off x="1853795" y="4776186"/>
+            <a:ext cx="3348819" cy="1091954"/>
           </a:xfrm>
           <a:prstGeom prst="rect">
             <a:avLst/>
@@ -16442,8 +16377,8 @@
         </p:nvSpPr>
         <p:spPr>
           <a:xfrm>
-            <a:off x="1740022" y="3240349"/>
-            <a:ext cx="5948039" cy="1083076"/>
+            <a:off x="1853795" y="3568931"/>
+            <a:ext cx="3348819" cy="1180622"/>
           </a:xfrm>
           <a:prstGeom prst="rect">
             <a:avLst/>
@@ -16498,8 +16433,8 @@
         </p:nvSpPr>
         <p:spPr>
           <a:xfrm>
-            <a:off x="1740023" y="4421079"/>
-            <a:ext cx="5948039" cy="1606859"/>
+            <a:off x="1868147" y="1976716"/>
+            <a:ext cx="3334468" cy="1592215"/>
           </a:xfrm>
           <a:prstGeom prst="rect">
             <a:avLst/>
@@ -16584,7 +16519,7 @@
         </p:nvSpPr>
         <p:spPr>
           <a:xfrm>
-            <a:off x="8116916" y="4971871"/>
+            <a:off x="7862655" y="5100141"/>
             <a:ext cx="3144914" cy="1200329"/>
           </a:xfrm>
           <a:prstGeom prst="rect">
@@ -16601,21 +16536,21 @@
             <a:r>
               <a:rPr lang="en-US" altLang="zh-TW" b="0" dirty="0">
                 <a:solidFill>
-                  <a:schemeClr val="accent2">
+                  <a:schemeClr val="accent6">
                     <a:lumMod val="75000"/>
                   </a:schemeClr>
                 </a:solidFill>
                 <a:effectLst/>
                 <a:latin typeface="Consolas" panose="020B0609020204030204" pitchFamily="49" charset="0"/>
               </a:rPr>
-              <a:t>  header ul li a {</a:t>
-            </a:r>
-          </a:p>
-          <a:p>
-            <a:r>
-              <a:rPr lang="en-US" altLang="zh-TW" b="0" dirty="0">
-                <a:solidFill>
-                  <a:schemeClr val="accent2">
+              <a:t>.navigation li{</a:t>
+            </a:r>
+          </a:p>
+          <a:p>
+            <a:r>
+              <a:rPr lang="en-US" altLang="zh-TW" b="0" dirty="0">
+                <a:solidFill>
+                  <a:schemeClr val="accent6">
                     <a:lumMod val="75000"/>
                   </a:schemeClr>
                 </a:solidFill>
@@ -16629,21 +16564,21 @@
             <a:r>
               <a:rPr lang="en-US" altLang="zh-TW" b="0" dirty="0">
                 <a:solidFill>
-                  <a:schemeClr val="accent2">
+                  <a:schemeClr val="accent6">
                     <a:lumMod val="75000"/>
                   </a:schemeClr>
                 </a:solidFill>
                 <a:effectLst/>
                 <a:latin typeface="Consolas" panose="020B0609020204030204" pitchFamily="49" charset="0"/>
               </a:rPr>
-              <a:t>    padding: 10px;</a:t>
-            </a:r>
-          </a:p>
-          <a:p>
-            <a:r>
-              <a:rPr lang="en-US" altLang="zh-TW" b="0" dirty="0">
-                <a:solidFill>
-                  <a:schemeClr val="accent2">
+              <a:t>    padding: 15px;</a:t>
+            </a:r>
+          </a:p>
+          <a:p>
+            <a:r>
+              <a:rPr lang="en-US" altLang="zh-TW" b="0" dirty="0">
+                <a:solidFill>
+                  <a:schemeClr val="accent6">
                     <a:lumMod val="75000"/>
                   </a:schemeClr>
                 </a:solidFill>
@@ -16651,6 +16586,221 @@
                 <a:latin typeface="Consolas" panose="020B0609020204030204" pitchFamily="49" charset="0"/>
               </a:rPr>
               <a:t>  }</a:t>
+            </a:r>
+          </a:p>
+        </p:txBody>
+      </p:sp>
+      <p:sp>
+        <p:nvSpPr>
+          <p:cNvPr id="11" name="文字方塊 10">
+            <a:extLst>
+              <a:ext uri="{FF2B5EF4-FFF2-40B4-BE49-F238E27FC236}">
+                <a16:creationId xmlns:a16="http://schemas.microsoft.com/office/drawing/2014/main" id="{6291569B-760D-4D67-AB13-96E2F4C077F9}"/>
+              </a:ext>
+            </a:extLst>
+          </p:cNvPr>
+          <p:cNvSpPr txBox="1"/>
+          <p:nvPr/>
+        </p:nvSpPr>
+        <p:spPr>
+          <a:xfrm>
+            <a:off x="5202614" y="2251755"/>
+            <a:ext cx="2059619" cy="646331"/>
+          </a:xfrm>
+          <a:prstGeom prst="rect">
+            <a:avLst/>
+          </a:prstGeom>
+          <a:noFill/>
+        </p:spPr>
+        <p:txBody>
+          <a:bodyPr wrap="square">
+            <a:spAutoFit/>
+          </a:bodyPr>
+          <a:lstStyle/>
+          <a:p>
+            <a:pPr marL="342900" indent="-342900">
+              <a:buAutoNum type="arabicPeriod"/>
+            </a:pPr>
+            <a:r>
+              <a:rPr lang="zh-TW" altLang="en-US" b="1" dirty="0">
+                <a:solidFill>
+                  <a:schemeClr val="accent4">
+                    <a:lumMod val="60000"/>
+                    <a:lumOff val="40000"/>
+                  </a:schemeClr>
+                </a:solidFill>
+              </a:rPr>
+              <a:t>垂直排列、</a:t>
+            </a:r>
+            <a:endParaRPr lang="en-US" altLang="zh-TW" b="1" dirty="0">
+              <a:solidFill>
+                <a:schemeClr val="accent4">
+                  <a:lumMod val="60000"/>
+                  <a:lumOff val="40000"/>
+                </a:schemeClr>
+              </a:solidFill>
+            </a:endParaRPr>
+          </a:p>
+          <a:p>
+            <a:r>
+              <a:rPr lang="zh-TW" altLang="en-US" b="1" dirty="0">
+                <a:solidFill>
+                  <a:schemeClr val="accent4">
+                    <a:lumMod val="60000"/>
+                    <a:lumOff val="40000"/>
+                  </a:schemeClr>
+                </a:solidFill>
+              </a:rPr>
+              <a:t>      垂直水平置中</a:t>
+            </a:r>
+            <a:endParaRPr lang="en-US" altLang="zh-TW" b="1" dirty="0">
+              <a:solidFill>
+                <a:schemeClr val="accent4">
+                  <a:lumMod val="60000"/>
+                  <a:lumOff val="40000"/>
+                </a:schemeClr>
+              </a:solidFill>
+            </a:endParaRPr>
+          </a:p>
+        </p:txBody>
+      </p:sp>
+      <p:sp>
+        <p:nvSpPr>
+          <p:cNvPr id="13" name="文字方塊 12">
+            <a:extLst>
+              <a:ext uri="{FF2B5EF4-FFF2-40B4-BE49-F238E27FC236}">
+                <a16:creationId xmlns:a16="http://schemas.microsoft.com/office/drawing/2014/main" id="{62E0E426-6550-46E9-B628-6544B894BBDC}"/>
+              </a:ext>
+            </a:extLst>
+          </p:cNvPr>
+          <p:cNvSpPr txBox="1"/>
+          <p:nvPr/>
+        </p:nvSpPr>
+        <p:spPr>
+          <a:xfrm>
+            <a:off x="5277173" y="3836076"/>
+            <a:ext cx="2152533" cy="646331"/>
+          </a:xfrm>
+          <a:prstGeom prst="rect">
+            <a:avLst/>
+          </a:prstGeom>
+          <a:noFill/>
+        </p:spPr>
+        <p:txBody>
+          <a:bodyPr wrap="square">
+            <a:spAutoFit/>
+          </a:bodyPr>
+          <a:lstStyle/>
+          <a:p>
+            <a:pPr marL="342900" indent="-342900">
+              <a:buAutoNum type="arabicPeriod"/>
+            </a:pPr>
+            <a:r>
+              <a:rPr lang="zh-TW" altLang="en-US" b="1" dirty="0">
+                <a:solidFill>
+                  <a:schemeClr val="accent6">
+                    <a:lumMod val="40000"/>
+                    <a:lumOff val="60000"/>
+                  </a:schemeClr>
+                </a:solidFill>
+              </a:rPr>
+              <a:t>設定背景</a:t>
+            </a:r>
+            <a:endParaRPr lang="en-US" altLang="zh-TW" b="1" dirty="0">
+              <a:solidFill>
+                <a:schemeClr val="accent6">
+                  <a:lumMod val="40000"/>
+                  <a:lumOff val="60000"/>
+                </a:schemeClr>
+              </a:solidFill>
+            </a:endParaRPr>
+          </a:p>
+          <a:p>
+            <a:pPr marL="342900" indent="-342900">
+              <a:buAutoNum type="arabicPeriod"/>
+            </a:pPr>
+            <a:r>
+              <a:rPr lang="zh-TW" altLang="en-US" b="1" dirty="0">
+                <a:solidFill>
+                  <a:schemeClr val="accent6">
+                    <a:lumMod val="40000"/>
+                    <a:lumOff val="60000"/>
+                  </a:schemeClr>
+                </a:solidFill>
+              </a:rPr>
+              <a:t>設定寬高</a:t>
+            </a:r>
+            <a:endParaRPr lang="en-US" altLang="zh-TW" b="1" dirty="0">
+              <a:solidFill>
+                <a:schemeClr val="accent6">
+                  <a:lumMod val="40000"/>
+                  <a:lumOff val="60000"/>
+                </a:schemeClr>
+              </a:solidFill>
+            </a:endParaRPr>
+          </a:p>
+        </p:txBody>
+      </p:sp>
+      <p:sp>
+        <p:nvSpPr>
+          <p:cNvPr id="15" name="文字方塊 14">
+            <a:extLst>
+              <a:ext uri="{FF2B5EF4-FFF2-40B4-BE49-F238E27FC236}">
+                <a16:creationId xmlns:a16="http://schemas.microsoft.com/office/drawing/2014/main" id="{26772248-7707-4C23-AE35-FCD1A36A157C}"/>
+              </a:ext>
+            </a:extLst>
+          </p:cNvPr>
+          <p:cNvSpPr txBox="1"/>
+          <p:nvPr/>
+        </p:nvSpPr>
+        <p:spPr>
+          <a:xfrm>
+            <a:off x="3974676" y="5931138"/>
+            <a:ext cx="1709252" cy="369332"/>
+          </a:xfrm>
+          <a:prstGeom prst="rect">
+            <a:avLst/>
+          </a:prstGeom>
+          <a:noFill/>
+        </p:spPr>
+        <p:txBody>
+          <a:bodyPr wrap="square">
+            <a:spAutoFit/>
+          </a:bodyPr>
+          <a:lstStyle/>
+          <a:p>
+            <a:r>
+              <a:rPr lang="zh-TW" altLang="en-US" b="1" dirty="0">
+                <a:solidFill>
+                  <a:schemeClr val="accent4">
+                    <a:lumMod val="60000"/>
+                    <a:lumOff val="40000"/>
+                  </a:schemeClr>
+                </a:solidFill>
+              </a:rPr>
+              <a:t>調整</a:t>
+            </a:r>
+            <a:r>
+              <a:rPr lang="en-US" altLang="zh-TW" b="1" dirty="0">
+                <a:solidFill>
+                  <a:schemeClr val="accent4">
+                    <a:lumMod val="60000"/>
+                    <a:lumOff val="40000"/>
+                  </a:schemeClr>
+                </a:solidFill>
+              </a:rPr>
+              <a:t>Z</a:t>
+            </a:r>
+            <a:r>
+              <a:rPr lang="zh-TW" altLang="en-US" b="1" dirty="0">
+                <a:solidFill>
+                  <a:schemeClr val="accent4">
+                    <a:lumMod val="60000"/>
+                    <a:lumOff val="40000"/>
+                  </a:schemeClr>
+                </a:solidFill>
+              </a:rPr>
+              <a:t>軸顯示</a:t>
             </a:r>
           </a:p>
         </p:txBody>
@@ -16703,7 +16853,9 @@
         </p:nvSpPr>
         <p:spPr/>
         <p:txBody>
-          <a:bodyPr/>
+          <a:bodyPr>
+            <a:normAutofit fontScale="90000"/>
+          </a:bodyPr>
           <a:lstStyle/>
           <a:p>
             <a:r>
@@ -16730,7 +16882,18 @@
               <a:rPr lang="en-US" altLang="zh-TW" dirty="0"/>
               <a:t>)</a:t>
             </a:r>
-            <a:endParaRPr lang="zh-TW" altLang="en-US" dirty="0"/>
+            <a:r>
+              <a:rPr lang="zh-TW" altLang="en-US" dirty="0"/>
+              <a:t>、</a:t>
+            </a:r>
+            <a:r>
+              <a:rPr lang="en-US" altLang="zh-TW" dirty="0"/>
+              <a:t>X</a:t>
+            </a:r>
+            <a:r>
+              <a:rPr lang="zh-TW" altLang="en-US" dirty="0"/>
+              <a:t>的位置</a:t>
+            </a:r>
           </a:p>
         </p:txBody>
       </p:sp>
@@ -16752,8 +16915,8 @@
         </p:nvSpPr>
         <p:spPr>
           <a:xfrm>
-            <a:off x="1371600" y="2428639"/>
-            <a:ext cx="9601200" cy="3013373"/>
+            <a:off x="1371601" y="2428639"/>
+            <a:ext cx="2934070" cy="1548557"/>
           </a:xfrm>
         </p:spPr>
         <p:txBody>
@@ -16776,7 +16939,7 @@
               <a:t>.</a:t>
             </a:r>
             <a:r>
-              <a:rPr lang="en-US" altLang="zh-TW" b="0" dirty="0">
+              <a:rPr lang="en-US" altLang="zh-TW" b="0" dirty="0" err="1">
                 <a:solidFill>
                   <a:srgbClr val="FFCB6B"/>
                 </a:solidFill>
@@ -16784,6 +16947,26 @@
                 <a:latin typeface="Consolas" panose="020B0609020204030204" pitchFamily="49" charset="0"/>
               </a:rPr>
               <a:t>toggle</a:t>
+            </a:r>
+            <a:r>
+              <a:rPr lang="en-US" altLang="zh-TW" b="0" dirty="0" err="1">
+                <a:solidFill>
+                  <a:srgbClr val="89DDFF"/>
+                </a:solidFill>
+                <a:effectLst/>
+                <a:latin typeface="Consolas" panose="020B0609020204030204" pitchFamily="49" charset="0"/>
+              </a:rPr>
+              <a:t>.</a:t>
+            </a:r>
+            <a:r>
+              <a:rPr lang="en-US" altLang="zh-TW" b="0" dirty="0" err="1">
+                <a:solidFill>
+                  <a:srgbClr val="FFCB6B"/>
+                </a:solidFill>
+                <a:effectLst/>
+                <a:latin typeface="Consolas" panose="020B0609020204030204" pitchFamily="49" charset="0"/>
+              </a:rPr>
+              <a:t>active</a:t>
             </a:r>
             <a:r>
               <a:rPr lang="en-US" altLang="zh-TW" b="0" dirty="0">
@@ -16870,186 +17053,6 @@
               </a:rPr>
               <a:t>}</a:t>
             </a:r>
-          </a:p>
-          <a:p>
-            <a:pPr marL="0" indent="0">
-              <a:buNone/>
-            </a:pPr>
-            <a:r>
-              <a:rPr lang="en-US" altLang="zh-TW" b="0" dirty="0">
-                <a:solidFill>
-                  <a:srgbClr val="EEFFFF"/>
-                </a:solidFill>
-                <a:effectLst/>
-                <a:latin typeface="Consolas" panose="020B0609020204030204" pitchFamily="49" charset="0"/>
-              </a:rPr>
-              <a:t> </a:t>
-            </a:r>
-            <a:r>
-              <a:rPr lang="en-US" altLang="zh-TW" b="0" dirty="0">
-                <a:solidFill>
-                  <a:srgbClr val="FFCB6B"/>
-                </a:solidFill>
-                <a:effectLst/>
-                <a:latin typeface="Consolas" panose="020B0609020204030204" pitchFamily="49" charset="0"/>
-              </a:rPr>
-              <a:t>header</a:t>
-            </a:r>
-            <a:r>
-              <a:rPr lang="en-US" altLang="zh-TW" b="0" dirty="0">
-                <a:solidFill>
-                  <a:srgbClr val="EEFFFF"/>
-                </a:solidFill>
-                <a:effectLst/>
-                <a:latin typeface="Consolas" panose="020B0609020204030204" pitchFamily="49" charset="0"/>
-              </a:rPr>
-              <a:t> </a:t>
-            </a:r>
-            <a:r>
-              <a:rPr lang="en-US" altLang="zh-TW" b="0" dirty="0" err="1">
-                <a:solidFill>
-                  <a:srgbClr val="FFCB6B"/>
-                </a:solidFill>
-                <a:effectLst/>
-                <a:latin typeface="Consolas" panose="020B0609020204030204" pitchFamily="49" charset="0"/>
-              </a:rPr>
-              <a:t>ul</a:t>
-            </a:r>
-            <a:r>
-              <a:rPr lang="en-US" altLang="zh-TW" b="0" dirty="0" err="1">
-                <a:solidFill>
-                  <a:srgbClr val="89DDFF"/>
-                </a:solidFill>
-                <a:effectLst/>
-                <a:latin typeface="Consolas" panose="020B0609020204030204" pitchFamily="49" charset="0"/>
-              </a:rPr>
-              <a:t>.</a:t>
-            </a:r>
-            <a:r>
-              <a:rPr lang="en-US" altLang="zh-TW" b="0" dirty="0" err="1">
-                <a:solidFill>
-                  <a:srgbClr val="FFCB6B"/>
-                </a:solidFill>
-                <a:effectLst/>
-                <a:latin typeface="Consolas" panose="020B0609020204030204" pitchFamily="49" charset="0"/>
-              </a:rPr>
-              <a:t>navigation</a:t>
-            </a:r>
-            <a:r>
-              <a:rPr lang="en-US" altLang="zh-TW" b="0" dirty="0" err="1">
-                <a:solidFill>
-                  <a:srgbClr val="89DDFF"/>
-                </a:solidFill>
-                <a:effectLst/>
-                <a:latin typeface="Consolas" panose="020B0609020204030204" pitchFamily="49" charset="0"/>
-              </a:rPr>
-              <a:t>.</a:t>
-            </a:r>
-            <a:r>
-              <a:rPr lang="en-US" altLang="zh-TW" b="0" dirty="0" err="1">
-                <a:solidFill>
-                  <a:srgbClr val="FFCB6B"/>
-                </a:solidFill>
-                <a:effectLst/>
-                <a:latin typeface="Consolas" panose="020B0609020204030204" pitchFamily="49" charset="0"/>
-              </a:rPr>
-              <a:t>active</a:t>
-            </a:r>
-            <a:r>
-              <a:rPr lang="en-US" altLang="zh-TW" b="0" dirty="0">
-                <a:solidFill>
-                  <a:srgbClr val="89DDFF"/>
-                </a:solidFill>
-                <a:effectLst/>
-                <a:latin typeface="Consolas" panose="020B0609020204030204" pitchFamily="49" charset="0"/>
-              </a:rPr>
-              <a:t>{</a:t>
-            </a:r>
-          </a:p>
-          <a:p>
-            <a:pPr marL="0" indent="0">
-              <a:buNone/>
-            </a:pPr>
-            <a:r>
-              <a:rPr lang="en-US" altLang="zh-TW" b="0" dirty="0">
-                <a:solidFill>
-                  <a:srgbClr val="B2CCD6"/>
-                </a:solidFill>
-                <a:effectLst/>
-                <a:latin typeface="Consolas" panose="020B0609020204030204" pitchFamily="49" charset="0"/>
-              </a:rPr>
-              <a:t>	z-index</a:t>
-            </a:r>
-            <a:r>
-              <a:rPr lang="en-US" altLang="zh-TW" b="0" dirty="0">
-                <a:solidFill>
-                  <a:srgbClr val="89DDFF"/>
-                </a:solidFill>
-                <a:effectLst/>
-                <a:latin typeface="Consolas" panose="020B0609020204030204" pitchFamily="49" charset="0"/>
-              </a:rPr>
-              <a:t>:</a:t>
-            </a:r>
-            <a:r>
-              <a:rPr lang="en-US" altLang="zh-TW" b="0" dirty="0">
-                <a:solidFill>
-                  <a:srgbClr val="EEFFFF"/>
-                </a:solidFill>
-                <a:effectLst/>
-                <a:latin typeface="Consolas" panose="020B0609020204030204" pitchFamily="49" charset="0"/>
-              </a:rPr>
-              <a:t> </a:t>
-            </a:r>
-            <a:r>
-              <a:rPr lang="en-US" altLang="zh-TW" b="0" dirty="0">
-                <a:solidFill>
-                  <a:srgbClr val="F78C6C"/>
-                </a:solidFill>
-                <a:effectLst/>
-                <a:latin typeface="Consolas" panose="020B0609020204030204" pitchFamily="49" charset="0"/>
-              </a:rPr>
-              <a:t>10</a:t>
-            </a:r>
-            <a:r>
-              <a:rPr lang="en-US" altLang="zh-TW" b="0" dirty="0">
-                <a:solidFill>
-                  <a:srgbClr val="89DDFF"/>
-                </a:solidFill>
-                <a:effectLst/>
-                <a:latin typeface="Consolas" panose="020B0609020204030204" pitchFamily="49" charset="0"/>
-              </a:rPr>
-              <a:t>;</a:t>
-            </a:r>
-            <a:endParaRPr lang="en-US" altLang="zh-TW" b="0" dirty="0">
-              <a:solidFill>
-                <a:srgbClr val="FFCB6B"/>
-              </a:solidFill>
-              <a:effectLst/>
-              <a:latin typeface="Consolas" panose="020B0609020204030204" pitchFamily="49" charset="0"/>
-            </a:endParaRPr>
-          </a:p>
-          <a:p>
-            <a:pPr marL="0" indent="0">
-              <a:buNone/>
-            </a:pPr>
-            <a:r>
-              <a:rPr lang="en-US" altLang="zh-TW" dirty="0">
-                <a:solidFill>
-                  <a:srgbClr val="89DDFF"/>
-                </a:solidFill>
-              </a:rPr>
-              <a:t>}</a:t>
-            </a:r>
-          </a:p>
-          <a:p>
-            <a:pPr marL="0" indent="0">
-              <a:buNone/>
-            </a:pPr>
-            <a:endParaRPr lang="en-US" altLang="zh-TW" dirty="0">
-              <a:solidFill>
-                <a:srgbClr val="89DDFF"/>
-              </a:solidFill>
-            </a:endParaRPr>
           </a:p>
           <a:p>
             <a:pPr marL="0" indent="0">
@@ -17112,6 +17115,140 @@
                 <a:srgbClr val="89DDFF"/>
               </a:solidFill>
             </a:endParaRPr>
+          </a:p>
+        </p:txBody>
+      </p:sp>
+      <p:sp>
+        <p:nvSpPr>
+          <p:cNvPr id="6" name="文字方塊 5">
+            <a:extLst>
+              <a:ext uri="{FF2B5EF4-FFF2-40B4-BE49-F238E27FC236}">
+                <a16:creationId xmlns:a16="http://schemas.microsoft.com/office/drawing/2014/main" id="{AF50C2DA-3531-4ED8-A512-FDD250CA7544}"/>
+              </a:ext>
+            </a:extLst>
+          </p:cNvPr>
+          <p:cNvSpPr txBox="1"/>
+          <p:nvPr/>
+        </p:nvSpPr>
+        <p:spPr>
+          <a:xfrm>
+            <a:off x="4427737" y="2782669"/>
+            <a:ext cx="2787588" cy="646331"/>
+          </a:xfrm>
+          <a:prstGeom prst="rect">
+            <a:avLst/>
+          </a:prstGeom>
+          <a:noFill/>
+        </p:spPr>
+        <p:txBody>
+          <a:bodyPr wrap="square">
+            <a:spAutoFit/>
+          </a:bodyPr>
+          <a:lstStyle/>
+          <a:p>
+            <a:pPr marL="0" indent="0">
+              <a:buNone/>
+            </a:pPr>
+            <a:r>
+              <a:rPr lang="en-US" altLang="zh-TW" b="0" dirty="0">
+                <a:solidFill>
+                  <a:srgbClr val="B2CCD6"/>
+                </a:solidFill>
+                <a:effectLst/>
+                <a:latin typeface="Consolas" panose="020B0609020204030204" pitchFamily="49" charset="0"/>
+              </a:rPr>
+              <a:t>position</a:t>
+            </a:r>
+            <a:r>
+              <a:rPr lang="en-US" altLang="zh-TW" b="0" dirty="0">
+                <a:solidFill>
+                  <a:srgbClr val="89DDFF"/>
+                </a:solidFill>
+                <a:effectLst/>
+                <a:latin typeface="Consolas" panose="020B0609020204030204" pitchFamily="49" charset="0"/>
+              </a:rPr>
+              <a:t>:</a:t>
+            </a:r>
+            <a:r>
+              <a:rPr lang="en-US" altLang="zh-TW" b="0" dirty="0">
+                <a:solidFill>
+                  <a:srgbClr val="EEFFFF"/>
+                </a:solidFill>
+                <a:effectLst/>
+                <a:latin typeface="Consolas" panose="020B0609020204030204" pitchFamily="49" charset="0"/>
+              </a:rPr>
+              <a:t> fixed</a:t>
+            </a:r>
+            <a:r>
+              <a:rPr lang="en-US" altLang="zh-TW" b="0" dirty="0">
+                <a:solidFill>
+                  <a:srgbClr val="89DDFF"/>
+                </a:solidFill>
+                <a:effectLst/>
+                <a:latin typeface="Consolas" panose="020B0609020204030204" pitchFamily="49" charset="0"/>
+              </a:rPr>
+              <a:t>;</a:t>
+            </a:r>
+            <a:r>
+              <a:rPr lang="en-US" altLang="zh-TW" b="0" dirty="0">
+                <a:solidFill>
+                  <a:srgbClr val="EEFFFF"/>
+                </a:solidFill>
+                <a:effectLst/>
+                <a:latin typeface="Consolas" panose="020B0609020204030204" pitchFamily="49" charset="0"/>
+              </a:rPr>
+              <a:t>      </a:t>
+            </a:r>
+            <a:r>
+              <a:rPr lang="en-US" altLang="zh-TW" b="0" dirty="0">
+                <a:solidFill>
+                  <a:srgbClr val="B2CCD6"/>
+                </a:solidFill>
+                <a:effectLst/>
+                <a:latin typeface="Consolas" panose="020B0609020204030204" pitchFamily="49" charset="0"/>
+              </a:rPr>
+              <a:t>right</a:t>
+            </a:r>
+            <a:r>
+              <a:rPr lang="en-US" altLang="zh-TW" b="0" dirty="0">
+                <a:solidFill>
+                  <a:srgbClr val="89DDFF"/>
+                </a:solidFill>
+                <a:effectLst/>
+                <a:latin typeface="Consolas" panose="020B0609020204030204" pitchFamily="49" charset="0"/>
+              </a:rPr>
+              <a:t>:</a:t>
+            </a:r>
+            <a:r>
+              <a:rPr lang="en-US" altLang="zh-TW" b="0" dirty="0">
+                <a:solidFill>
+                  <a:srgbClr val="EEFFFF"/>
+                </a:solidFill>
+                <a:effectLst/>
+                <a:latin typeface="Consolas" panose="020B0609020204030204" pitchFamily="49" charset="0"/>
+              </a:rPr>
+              <a:t> </a:t>
+            </a:r>
+            <a:r>
+              <a:rPr lang="en-US" altLang="zh-TW" b="0" dirty="0">
+                <a:solidFill>
+                  <a:srgbClr val="F78C6C"/>
+                </a:solidFill>
+                <a:effectLst/>
+                <a:latin typeface="Consolas" panose="020B0609020204030204" pitchFamily="49" charset="0"/>
+              </a:rPr>
+              <a:t>20px</a:t>
+            </a:r>
+            <a:r>
+              <a:rPr lang="en-US" altLang="zh-TW" b="0" dirty="0">
+                <a:solidFill>
+                  <a:srgbClr val="89DDFF"/>
+                </a:solidFill>
+                <a:effectLst/>
+                <a:latin typeface="Consolas" panose="020B0609020204030204" pitchFamily="49" charset="0"/>
+              </a:rPr>
+              <a:t>;</a:t>
+            </a:r>
           </a:p>
         </p:txBody>
       </p:sp>
